--- a/벤치마킹 리서치 이미지/벤치마킹 리서치_롯데시네마_메인.pptx
+++ b/벤치마킹 리서치 이미지/벤치마킹 리서치_롯데시네마_메인.pptx
@@ -120,6 +120,11 @@
       </a:defRPr>
     </a:lvl9pPr>
   </p:defaultTextStyle>
+  <p:extLst>
+    <p:ext uri="{EFAFB233-063F-42B5-8137-9DF3F51BA10A}">
+      <p15:sldGuideLst xmlns:p15="http://schemas.microsoft.com/office/powerpoint/2012/main"/>
+    </p:ext>
+  </p:extLst>
 </p:presentation>
 </file>
 
@@ -3365,14 +3370,153 @@
         </p:blipFill>
         <p:spPr>
           <a:xfrm>
-            <a:off x="0" y="396958"/>
-            <a:ext cx="12192000" cy="6064084"/>
+            <a:off x="0" y="-42658"/>
+            <a:ext cx="9607865" cy="4778781"/>
           </a:xfrm>
           <a:prstGeom prst="rect">
             <a:avLst/>
           </a:prstGeom>
         </p:spPr>
       </p:pic>
+      <p:sp>
+        <p:nvSpPr>
+          <p:cNvPr id="3" name="직사각형 2"/>
+          <p:cNvSpPr/>
+          <p:nvPr/>
+        </p:nvSpPr>
+        <p:spPr>
+          <a:xfrm>
+            <a:off x="2872154" y="5501026"/>
+            <a:ext cx="6096000" cy="369332"/>
+          </a:xfrm>
+          <a:prstGeom prst="rect">
+            <a:avLst/>
+          </a:prstGeom>
+        </p:spPr>
+        <p:txBody>
+          <a:bodyPr>
+            <a:spAutoFit/>
+          </a:bodyPr>
+          <a:lstStyle>
+            <a:defPPr>
+              <a:defRPr lang="ko-KR"/>
+            </a:defPPr>
+            <a:lvl1pPr marL="0" algn="l" defTabSz="914400" rtl="0" eaLnBrk="1" latinLnBrk="1" hangingPunct="1">
+              <a:defRPr sz="1800" kern="1200">
+                <a:solidFill>
+                  <a:schemeClr val="tx1"/>
+                </a:solidFill>
+                <a:latin typeface="+mn-lt"/>
+                <a:ea typeface="+mn-ea"/>
+                <a:cs typeface="+mn-cs"/>
+              </a:defRPr>
+            </a:lvl1pPr>
+            <a:lvl2pPr marL="457200" algn="l" defTabSz="914400" rtl="0" eaLnBrk="1" latinLnBrk="1" hangingPunct="1">
+              <a:defRPr sz="1800" kern="1200">
+                <a:solidFill>
+                  <a:schemeClr val="tx1"/>
+                </a:solidFill>
+                <a:latin typeface="+mn-lt"/>
+                <a:ea typeface="+mn-ea"/>
+                <a:cs typeface="+mn-cs"/>
+              </a:defRPr>
+            </a:lvl2pPr>
+            <a:lvl3pPr marL="914400" algn="l" defTabSz="914400" rtl="0" eaLnBrk="1" latinLnBrk="1" hangingPunct="1">
+              <a:defRPr sz="1800" kern="1200">
+                <a:solidFill>
+                  <a:schemeClr val="tx1"/>
+                </a:solidFill>
+                <a:latin typeface="+mn-lt"/>
+                <a:ea typeface="+mn-ea"/>
+                <a:cs typeface="+mn-cs"/>
+              </a:defRPr>
+            </a:lvl3pPr>
+            <a:lvl4pPr marL="1371600" algn="l" defTabSz="914400" rtl="0" eaLnBrk="1" latinLnBrk="1" hangingPunct="1">
+              <a:defRPr sz="1800" kern="1200">
+                <a:solidFill>
+                  <a:schemeClr val="tx1"/>
+                </a:solidFill>
+                <a:latin typeface="+mn-lt"/>
+                <a:ea typeface="+mn-ea"/>
+                <a:cs typeface="+mn-cs"/>
+              </a:defRPr>
+            </a:lvl4pPr>
+            <a:lvl5pPr marL="1828800" algn="l" defTabSz="914400" rtl="0" eaLnBrk="1" latinLnBrk="1" hangingPunct="1">
+              <a:defRPr sz="1800" kern="1200">
+                <a:solidFill>
+                  <a:schemeClr val="tx1"/>
+                </a:solidFill>
+                <a:latin typeface="+mn-lt"/>
+                <a:ea typeface="+mn-ea"/>
+                <a:cs typeface="+mn-cs"/>
+              </a:defRPr>
+            </a:lvl5pPr>
+            <a:lvl6pPr marL="2286000" algn="l" defTabSz="914400" rtl="0" eaLnBrk="1" latinLnBrk="1" hangingPunct="1">
+              <a:defRPr sz="1800" kern="1200">
+                <a:solidFill>
+                  <a:schemeClr val="tx1"/>
+                </a:solidFill>
+                <a:latin typeface="+mn-lt"/>
+                <a:ea typeface="+mn-ea"/>
+                <a:cs typeface="+mn-cs"/>
+              </a:defRPr>
+            </a:lvl6pPr>
+            <a:lvl7pPr marL="2743200" algn="l" defTabSz="914400" rtl="0" eaLnBrk="1" latinLnBrk="1" hangingPunct="1">
+              <a:defRPr sz="1800" kern="1200">
+                <a:solidFill>
+                  <a:schemeClr val="tx1"/>
+                </a:solidFill>
+                <a:latin typeface="+mn-lt"/>
+                <a:ea typeface="+mn-ea"/>
+                <a:cs typeface="+mn-cs"/>
+              </a:defRPr>
+            </a:lvl7pPr>
+            <a:lvl8pPr marL="3200400" algn="l" defTabSz="914400" rtl="0" eaLnBrk="1" latinLnBrk="1" hangingPunct="1">
+              <a:defRPr sz="1800" kern="1200">
+                <a:solidFill>
+                  <a:schemeClr val="tx1"/>
+                </a:solidFill>
+                <a:latin typeface="+mn-lt"/>
+                <a:ea typeface="+mn-ea"/>
+                <a:cs typeface="+mn-cs"/>
+              </a:defRPr>
+            </a:lvl8pPr>
+            <a:lvl9pPr marL="3657600" algn="l" defTabSz="914400" rtl="0" eaLnBrk="1" latinLnBrk="1" hangingPunct="1">
+              <a:defRPr sz="1800" kern="1200">
+                <a:solidFill>
+                  <a:schemeClr val="tx1"/>
+                </a:solidFill>
+                <a:latin typeface="+mn-lt"/>
+                <a:ea typeface="+mn-ea"/>
+                <a:cs typeface="+mn-cs"/>
+              </a:defRPr>
+            </a:lvl9pPr>
+          </a:lstStyle>
+          <a:p>
+            <a:r>
+              <a:rPr lang="ko-KR" altLang="en-US" dirty="0" smtClean="0"/>
+              <a:t>메인 영상 </a:t>
+            </a:r>
+            <a:r>
+              <a:rPr lang="ko-KR" altLang="en-US" dirty="0" err="1" smtClean="0"/>
+              <a:t>클릭시</a:t>
+            </a:r>
+            <a:r>
+              <a:rPr lang="ko-KR" altLang="en-US" dirty="0" smtClean="0"/>
+              <a:t> </a:t>
+            </a:r>
+            <a:r>
+              <a:rPr lang="ko-KR" altLang="en-US" dirty="0" err="1" smtClean="0"/>
+              <a:t>해당영상</a:t>
+            </a:r>
+            <a:r>
+              <a:rPr lang="ko-KR" altLang="en-US" dirty="0" smtClean="0"/>
+              <a:t> 재생</a:t>
+            </a:r>
+            <a:endParaRPr lang="en-US" altLang="ko-KR" dirty="0"/>
+          </a:p>
+        </p:txBody>
+      </p:sp>
     </p:spTree>
     <p:extLst>
       <p:ext uri="{BB962C8B-B14F-4D97-AF65-F5344CB8AC3E}">
@@ -3431,7 +3575,7 @@
         </p:blipFill>
         <p:spPr>
           <a:xfrm>
-            <a:off x="2423389" y="0"/>
+            <a:off x="3677759" y="-123091"/>
             <a:ext cx="7345221" cy="6858000"/>
           </a:xfrm>
           <a:prstGeom prst="rect">
@@ -3439,6 +3583,129 @@
           </a:prstGeom>
         </p:spPr>
       </p:pic>
+      <p:sp>
+        <p:nvSpPr>
+          <p:cNvPr id="4" name="직사각형 3"/>
+          <p:cNvSpPr/>
+          <p:nvPr/>
+        </p:nvSpPr>
+        <p:spPr>
+          <a:xfrm>
+            <a:off x="64478" y="3203303"/>
+            <a:ext cx="6096000" cy="369332"/>
+          </a:xfrm>
+          <a:prstGeom prst="rect">
+            <a:avLst/>
+          </a:prstGeom>
+        </p:spPr>
+        <p:txBody>
+          <a:bodyPr>
+            <a:spAutoFit/>
+          </a:bodyPr>
+          <a:lstStyle>
+            <a:defPPr>
+              <a:defRPr lang="ko-KR"/>
+            </a:defPPr>
+            <a:lvl1pPr marL="0" algn="l" defTabSz="914400" rtl="0" eaLnBrk="1" latinLnBrk="1" hangingPunct="1">
+              <a:defRPr sz="1800" kern="1200">
+                <a:solidFill>
+                  <a:schemeClr val="tx1"/>
+                </a:solidFill>
+                <a:latin typeface="+mn-lt"/>
+                <a:ea typeface="+mn-ea"/>
+                <a:cs typeface="+mn-cs"/>
+              </a:defRPr>
+            </a:lvl1pPr>
+            <a:lvl2pPr marL="457200" algn="l" defTabSz="914400" rtl="0" eaLnBrk="1" latinLnBrk="1" hangingPunct="1">
+              <a:defRPr sz="1800" kern="1200">
+                <a:solidFill>
+                  <a:schemeClr val="tx1"/>
+                </a:solidFill>
+                <a:latin typeface="+mn-lt"/>
+                <a:ea typeface="+mn-ea"/>
+                <a:cs typeface="+mn-cs"/>
+              </a:defRPr>
+            </a:lvl2pPr>
+            <a:lvl3pPr marL="914400" algn="l" defTabSz="914400" rtl="0" eaLnBrk="1" latinLnBrk="1" hangingPunct="1">
+              <a:defRPr sz="1800" kern="1200">
+                <a:solidFill>
+                  <a:schemeClr val="tx1"/>
+                </a:solidFill>
+                <a:latin typeface="+mn-lt"/>
+                <a:ea typeface="+mn-ea"/>
+                <a:cs typeface="+mn-cs"/>
+              </a:defRPr>
+            </a:lvl3pPr>
+            <a:lvl4pPr marL="1371600" algn="l" defTabSz="914400" rtl="0" eaLnBrk="1" latinLnBrk="1" hangingPunct="1">
+              <a:defRPr sz="1800" kern="1200">
+                <a:solidFill>
+                  <a:schemeClr val="tx1"/>
+                </a:solidFill>
+                <a:latin typeface="+mn-lt"/>
+                <a:ea typeface="+mn-ea"/>
+                <a:cs typeface="+mn-cs"/>
+              </a:defRPr>
+            </a:lvl4pPr>
+            <a:lvl5pPr marL="1828800" algn="l" defTabSz="914400" rtl="0" eaLnBrk="1" latinLnBrk="1" hangingPunct="1">
+              <a:defRPr sz="1800" kern="1200">
+                <a:solidFill>
+                  <a:schemeClr val="tx1"/>
+                </a:solidFill>
+                <a:latin typeface="+mn-lt"/>
+                <a:ea typeface="+mn-ea"/>
+                <a:cs typeface="+mn-cs"/>
+              </a:defRPr>
+            </a:lvl5pPr>
+            <a:lvl6pPr marL="2286000" algn="l" defTabSz="914400" rtl="0" eaLnBrk="1" latinLnBrk="1" hangingPunct="1">
+              <a:defRPr sz="1800" kern="1200">
+                <a:solidFill>
+                  <a:schemeClr val="tx1"/>
+                </a:solidFill>
+                <a:latin typeface="+mn-lt"/>
+                <a:ea typeface="+mn-ea"/>
+                <a:cs typeface="+mn-cs"/>
+              </a:defRPr>
+            </a:lvl6pPr>
+            <a:lvl7pPr marL="2743200" algn="l" defTabSz="914400" rtl="0" eaLnBrk="1" latinLnBrk="1" hangingPunct="1">
+              <a:defRPr sz="1800" kern="1200">
+                <a:solidFill>
+                  <a:schemeClr val="tx1"/>
+                </a:solidFill>
+                <a:latin typeface="+mn-lt"/>
+                <a:ea typeface="+mn-ea"/>
+                <a:cs typeface="+mn-cs"/>
+              </a:defRPr>
+            </a:lvl7pPr>
+            <a:lvl8pPr marL="3200400" algn="l" defTabSz="914400" rtl="0" eaLnBrk="1" latinLnBrk="1" hangingPunct="1">
+              <a:defRPr sz="1800" kern="1200">
+                <a:solidFill>
+                  <a:schemeClr val="tx1"/>
+                </a:solidFill>
+                <a:latin typeface="+mn-lt"/>
+                <a:ea typeface="+mn-ea"/>
+                <a:cs typeface="+mn-cs"/>
+              </a:defRPr>
+            </a:lvl8pPr>
+            <a:lvl9pPr marL="3657600" algn="l" defTabSz="914400" rtl="0" eaLnBrk="1" latinLnBrk="1" hangingPunct="1">
+              <a:defRPr sz="1800" kern="1200">
+                <a:solidFill>
+                  <a:schemeClr val="tx1"/>
+                </a:solidFill>
+                <a:latin typeface="+mn-lt"/>
+                <a:ea typeface="+mn-ea"/>
+                <a:cs typeface="+mn-cs"/>
+              </a:defRPr>
+            </a:lvl9pPr>
+          </a:lstStyle>
+          <a:p>
+            <a:r>
+              <a:rPr lang="ko-KR" altLang="en-US" dirty="0" smtClean="0"/>
+              <a:t>시사회 클릭 후 이동 페이지</a:t>
+            </a:r>
+            <a:endParaRPr lang="en-US" altLang="ko-KR" dirty="0"/>
+          </a:p>
+        </p:txBody>
+      </p:sp>
     </p:spTree>
     <p:extLst>
       <p:ext uri="{BB962C8B-B14F-4D97-AF65-F5344CB8AC3E}">
@@ -3505,6 +3772,176 @@
           </a:prstGeom>
         </p:spPr>
       </p:pic>
+      <p:sp>
+        <p:nvSpPr>
+          <p:cNvPr id="4" name="직사각형 3"/>
+          <p:cNvSpPr/>
+          <p:nvPr/>
+        </p:nvSpPr>
+        <p:spPr>
+          <a:xfrm>
+            <a:off x="2596662" y="5823412"/>
+            <a:ext cx="6096000" cy="646331"/>
+          </a:xfrm>
+          <a:prstGeom prst="rect">
+            <a:avLst/>
+          </a:prstGeom>
+        </p:spPr>
+        <p:txBody>
+          <a:bodyPr>
+            <a:spAutoFit/>
+          </a:bodyPr>
+          <a:lstStyle>
+            <a:defPPr>
+              <a:defRPr lang="ko-KR"/>
+            </a:defPPr>
+            <a:lvl1pPr marL="0" algn="l" defTabSz="914400" rtl="0" eaLnBrk="1" latinLnBrk="1" hangingPunct="1">
+              <a:defRPr sz="1800" kern="1200">
+                <a:solidFill>
+                  <a:schemeClr val="tx1"/>
+                </a:solidFill>
+                <a:latin typeface="+mn-lt"/>
+                <a:ea typeface="+mn-ea"/>
+                <a:cs typeface="+mn-cs"/>
+              </a:defRPr>
+            </a:lvl1pPr>
+            <a:lvl2pPr marL="457200" algn="l" defTabSz="914400" rtl="0" eaLnBrk="1" latinLnBrk="1" hangingPunct="1">
+              <a:defRPr sz="1800" kern="1200">
+                <a:solidFill>
+                  <a:schemeClr val="tx1"/>
+                </a:solidFill>
+                <a:latin typeface="+mn-lt"/>
+                <a:ea typeface="+mn-ea"/>
+                <a:cs typeface="+mn-cs"/>
+              </a:defRPr>
+            </a:lvl2pPr>
+            <a:lvl3pPr marL="914400" algn="l" defTabSz="914400" rtl="0" eaLnBrk="1" latinLnBrk="1" hangingPunct="1">
+              <a:defRPr sz="1800" kern="1200">
+                <a:solidFill>
+                  <a:schemeClr val="tx1"/>
+                </a:solidFill>
+                <a:latin typeface="+mn-lt"/>
+                <a:ea typeface="+mn-ea"/>
+                <a:cs typeface="+mn-cs"/>
+              </a:defRPr>
+            </a:lvl3pPr>
+            <a:lvl4pPr marL="1371600" algn="l" defTabSz="914400" rtl="0" eaLnBrk="1" latinLnBrk="1" hangingPunct="1">
+              <a:defRPr sz="1800" kern="1200">
+                <a:solidFill>
+                  <a:schemeClr val="tx1"/>
+                </a:solidFill>
+                <a:latin typeface="+mn-lt"/>
+                <a:ea typeface="+mn-ea"/>
+                <a:cs typeface="+mn-cs"/>
+              </a:defRPr>
+            </a:lvl4pPr>
+            <a:lvl5pPr marL="1828800" algn="l" defTabSz="914400" rtl="0" eaLnBrk="1" latinLnBrk="1" hangingPunct="1">
+              <a:defRPr sz="1800" kern="1200">
+                <a:solidFill>
+                  <a:schemeClr val="tx1"/>
+                </a:solidFill>
+                <a:latin typeface="+mn-lt"/>
+                <a:ea typeface="+mn-ea"/>
+                <a:cs typeface="+mn-cs"/>
+              </a:defRPr>
+            </a:lvl5pPr>
+            <a:lvl6pPr marL="2286000" algn="l" defTabSz="914400" rtl="0" eaLnBrk="1" latinLnBrk="1" hangingPunct="1">
+              <a:defRPr sz="1800" kern="1200">
+                <a:solidFill>
+                  <a:schemeClr val="tx1"/>
+                </a:solidFill>
+                <a:latin typeface="+mn-lt"/>
+                <a:ea typeface="+mn-ea"/>
+                <a:cs typeface="+mn-cs"/>
+              </a:defRPr>
+            </a:lvl6pPr>
+            <a:lvl7pPr marL="2743200" algn="l" defTabSz="914400" rtl="0" eaLnBrk="1" latinLnBrk="1" hangingPunct="1">
+              <a:defRPr sz="1800" kern="1200">
+                <a:solidFill>
+                  <a:schemeClr val="tx1"/>
+                </a:solidFill>
+                <a:latin typeface="+mn-lt"/>
+                <a:ea typeface="+mn-ea"/>
+                <a:cs typeface="+mn-cs"/>
+              </a:defRPr>
+            </a:lvl7pPr>
+            <a:lvl8pPr marL="3200400" algn="l" defTabSz="914400" rtl="0" eaLnBrk="1" latinLnBrk="1" hangingPunct="1">
+              <a:defRPr sz="1800" kern="1200">
+                <a:solidFill>
+                  <a:schemeClr val="tx1"/>
+                </a:solidFill>
+                <a:latin typeface="+mn-lt"/>
+                <a:ea typeface="+mn-ea"/>
+                <a:cs typeface="+mn-cs"/>
+              </a:defRPr>
+            </a:lvl8pPr>
+            <a:lvl9pPr marL="3657600" algn="l" defTabSz="914400" rtl="0" eaLnBrk="1" latinLnBrk="1" hangingPunct="1">
+              <a:defRPr sz="1800" kern="1200">
+                <a:solidFill>
+                  <a:schemeClr val="tx1"/>
+                </a:solidFill>
+                <a:latin typeface="+mn-lt"/>
+                <a:ea typeface="+mn-ea"/>
+                <a:cs typeface="+mn-cs"/>
+              </a:defRPr>
+            </a:lvl9pPr>
+          </a:lstStyle>
+          <a:p>
+            <a:r>
+              <a:rPr lang="ko-KR" altLang="en-US" dirty="0" err="1" smtClean="0"/>
+              <a:t>할인안내</a:t>
+            </a:r>
+            <a:r>
+              <a:rPr lang="en-US" altLang="ko-KR" dirty="0" smtClean="0"/>
+              <a:t>, </a:t>
+            </a:r>
+            <a:r>
+              <a:rPr lang="ko-KR" altLang="en-US" dirty="0" smtClean="0"/>
+              <a:t>포인트</a:t>
+            </a:r>
+            <a:r>
+              <a:rPr lang="en-US" altLang="ko-KR" dirty="0" smtClean="0"/>
+              <a:t>, </a:t>
+            </a:r>
+            <a:r>
+              <a:rPr lang="ko-KR" altLang="en-US" dirty="0" smtClean="0"/>
+              <a:t>멤버십</a:t>
+            </a:r>
+            <a:r>
+              <a:rPr lang="en-US" altLang="ko-KR" dirty="0" smtClean="0"/>
+              <a:t>, </a:t>
+            </a:r>
+            <a:r>
+              <a:rPr lang="ko-KR" altLang="en-US" dirty="0" err="1" smtClean="0"/>
+              <a:t>틴틴클럽</a:t>
+            </a:r>
+            <a:r>
+              <a:rPr lang="en-US" altLang="ko-KR" dirty="0" smtClean="0"/>
+              <a:t>, </a:t>
+            </a:r>
+            <a:r>
+              <a:rPr lang="ko-KR" altLang="en-US" dirty="0" err="1" smtClean="0"/>
+              <a:t>브라보클럽</a:t>
+            </a:r>
+            <a:r>
+              <a:rPr lang="ko-KR" altLang="en-US" dirty="0" smtClean="0"/>
+              <a:t> </a:t>
+            </a:r>
+            <a:r>
+              <a:rPr lang="en-US" altLang="ko-KR" dirty="0" smtClean="0"/>
+              <a:t/>
+            </a:r>
+            <a:br>
+              <a:rPr lang="en-US" altLang="ko-KR" dirty="0" smtClean="0"/>
+            </a:br>
+            <a:r>
+              <a:rPr lang="ko-KR" altLang="en-US" dirty="0" smtClean="0"/>
+              <a:t>페이지 이동</a:t>
+            </a:r>
+            <a:endParaRPr lang="en-US" altLang="ko-KR" dirty="0"/>
+          </a:p>
+        </p:txBody>
+      </p:sp>
     </p:spTree>
     <p:extLst>
       <p:ext uri="{BB962C8B-B14F-4D97-AF65-F5344CB8AC3E}">
@@ -3571,6 +4008,133 @@
           </a:prstGeom>
         </p:spPr>
       </p:pic>
+      <p:sp>
+        <p:nvSpPr>
+          <p:cNvPr id="4" name="직사각형 3"/>
+          <p:cNvSpPr/>
+          <p:nvPr/>
+        </p:nvSpPr>
+        <p:spPr>
+          <a:xfrm>
+            <a:off x="726831" y="3302950"/>
+            <a:ext cx="6096000" cy="369332"/>
+          </a:xfrm>
+          <a:prstGeom prst="rect">
+            <a:avLst/>
+          </a:prstGeom>
+        </p:spPr>
+        <p:txBody>
+          <a:bodyPr>
+            <a:spAutoFit/>
+          </a:bodyPr>
+          <a:lstStyle>
+            <a:defPPr>
+              <a:defRPr lang="ko-KR"/>
+            </a:defPPr>
+            <a:lvl1pPr marL="0" algn="l" defTabSz="914400" rtl="0" eaLnBrk="1" latinLnBrk="1" hangingPunct="1">
+              <a:defRPr sz="1800" kern="1200">
+                <a:solidFill>
+                  <a:schemeClr val="tx1"/>
+                </a:solidFill>
+                <a:latin typeface="+mn-lt"/>
+                <a:ea typeface="+mn-ea"/>
+                <a:cs typeface="+mn-cs"/>
+              </a:defRPr>
+            </a:lvl1pPr>
+            <a:lvl2pPr marL="457200" algn="l" defTabSz="914400" rtl="0" eaLnBrk="1" latinLnBrk="1" hangingPunct="1">
+              <a:defRPr sz="1800" kern="1200">
+                <a:solidFill>
+                  <a:schemeClr val="tx1"/>
+                </a:solidFill>
+                <a:latin typeface="+mn-lt"/>
+                <a:ea typeface="+mn-ea"/>
+                <a:cs typeface="+mn-cs"/>
+              </a:defRPr>
+            </a:lvl2pPr>
+            <a:lvl3pPr marL="914400" algn="l" defTabSz="914400" rtl="0" eaLnBrk="1" latinLnBrk="1" hangingPunct="1">
+              <a:defRPr sz="1800" kern="1200">
+                <a:solidFill>
+                  <a:schemeClr val="tx1"/>
+                </a:solidFill>
+                <a:latin typeface="+mn-lt"/>
+                <a:ea typeface="+mn-ea"/>
+                <a:cs typeface="+mn-cs"/>
+              </a:defRPr>
+            </a:lvl3pPr>
+            <a:lvl4pPr marL="1371600" algn="l" defTabSz="914400" rtl="0" eaLnBrk="1" latinLnBrk="1" hangingPunct="1">
+              <a:defRPr sz="1800" kern="1200">
+                <a:solidFill>
+                  <a:schemeClr val="tx1"/>
+                </a:solidFill>
+                <a:latin typeface="+mn-lt"/>
+                <a:ea typeface="+mn-ea"/>
+                <a:cs typeface="+mn-cs"/>
+              </a:defRPr>
+            </a:lvl4pPr>
+            <a:lvl5pPr marL="1828800" algn="l" defTabSz="914400" rtl="0" eaLnBrk="1" latinLnBrk="1" hangingPunct="1">
+              <a:defRPr sz="1800" kern="1200">
+                <a:solidFill>
+                  <a:schemeClr val="tx1"/>
+                </a:solidFill>
+                <a:latin typeface="+mn-lt"/>
+                <a:ea typeface="+mn-ea"/>
+                <a:cs typeface="+mn-cs"/>
+              </a:defRPr>
+            </a:lvl5pPr>
+            <a:lvl6pPr marL="2286000" algn="l" defTabSz="914400" rtl="0" eaLnBrk="1" latinLnBrk="1" hangingPunct="1">
+              <a:defRPr sz="1800" kern="1200">
+                <a:solidFill>
+                  <a:schemeClr val="tx1"/>
+                </a:solidFill>
+                <a:latin typeface="+mn-lt"/>
+                <a:ea typeface="+mn-ea"/>
+                <a:cs typeface="+mn-cs"/>
+              </a:defRPr>
+            </a:lvl6pPr>
+            <a:lvl7pPr marL="2743200" algn="l" defTabSz="914400" rtl="0" eaLnBrk="1" latinLnBrk="1" hangingPunct="1">
+              <a:defRPr sz="1800" kern="1200">
+                <a:solidFill>
+                  <a:schemeClr val="tx1"/>
+                </a:solidFill>
+                <a:latin typeface="+mn-lt"/>
+                <a:ea typeface="+mn-ea"/>
+                <a:cs typeface="+mn-cs"/>
+              </a:defRPr>
+            </a:lvl7pPr>
+            <a:lvl8pPr marL="3200400" algn="l" defTabSz="914400" rtl="0" eaLnBrk="1" latinLnBrk="1" hangingPunct="1">
+              <a:defRPr sz="1800" kern="1200">
+                <a:solidFill>
+                  <a:schemeClr val="tx1"/>
+                </a:solidFill>
+                <a:latin typeface="+mn-lt"/>
+                <a:ea typeface="+mn-ea"/>
+                <a:cs typeface="+mn-cs"/>
+              </a:defRPr>
+            </a:lvl8pPr>
+            <a:lvl9pPr marL="3657600" algn="l" defTabSz="914400" rtl="0" eaLnBrk="1" latinLnBrk="1" hangingPunct="1">
+              <a:defRPr sz="1800" kern="1200">
+                <a:solidFill>
+                  <a:schemeClr val="tx1"/>
+                </a:solidFill>
+                <a:latin typeface="+mn-lt"/>
+                <a:ea typeface="+mn-ea"/>
+                <a:cs typeface="+mn-cs"/>
+              </a:defRPr>
+            </a:lvl9pPr>
+          </a:lstStyle>
+          <a:p>
+            <a:r>
+              <a:rPr lang="ko-KR" altLang="en-US" dirty="0" err="1" smtClean="0"/>
+              <a:t>할인안내</a:t>
+            </a:r>
+            <a:r>
+              <a:rPr lang="ko-KR" altLang="en-US" dirty="0" smtClean="0"/>
+              <a:t> 페이지</a:t>
+            </a:r>
+            <a:endParaRPr lang="en-US" altLang="ko-KR" dirty="0"/>
+          </a:p>
+        </p:txBody>
+      </p:sp>
     </p:spTree>
     <p:extLst>
       <p:ext uri="{BB962C8B-B14F-4D97-AF65-F5344CB8AC3E}">
@@ -3637,6 +4201,133 @@
           </a:prstGeom>
         </p:spPr>
       </p:pic>
+      <p:sp>
+        <p:nvSpPr>
+          <p:cNvPr id="4" name="직사각형 3"/>
+          <p:cNvSpPr/>
+          <p:nvPr/>
+        </p:nvSpPr>
+        <p:spPr>
+          <a:xfrm>
+            <a:off x="726831" y="3302950"/>
+            <a:ext cx="6096000" cy="369332"/>
+          </a:xfrm>
+          <a:prstGeom prst="rect">
+            <a:avLst/>
+          </a:prstGeom>
+        </p:spPr>
+        <p:txBody>
+          <a:bodyPr>
+            <a:spAutoFit/>
+          </a:bodyPr>
+          <a:lstStyle>
+            <a:defPPr>
+              <a:defRPr lang="ko-KR"/>
+            </a:defPPr>
+            <a:lvl1pPr marL="0" algn="l" defTabSz="914400" rtl="0" eaLnBrk="1" latinLnBrk="1" hangingPunct="1">
+              <a:defRPr sz="1800" kern="1200">
+                <a:solidFill>
+                  <a:schemeClr val="tx1"/>
+                </a:solidFill>
+                <a:latin typeface="+mn-lt"/>
+                <a:ea typeface="+mn-ea"/>
+                <a:cs typeface="+mn-cs"/>
+              </a:defRPr>
+            </a:lvl1pPr>
+            <a:lvl2pPr marL="457200" algn="l" defTabSz="914400" rtl="0" eaLnBrk="1" latinLnBrk="1" hangingPunct="1">
+              <a:defRPr sz="1800" kern="1200">
+                <a:solidFill>
+                  <a:schemeClr val="tx1"/>
+                </a:solidFill>
+                <a:latin typeface="+mn-lt"/>
+                <a:ea typeface="+mn-ea"/>
+                <a:cs typeface="+mn-cs"/>
+              </a:defRPr>
+            </a:lvl2pPr>
+            <a:lvl3pPr marL="914400" algn="l" defTabSz="914400" rtl="0" eaLnBrk="1" latinLnBrk="1" hangingPunct="1">
+              <a:defRPr sz="1800" kern="1200">
+                <a:solidFill>
+                  <a:schemeClr val="tx1"/>
+                </a:solidFill>
+                <a:latin typeface="+mn-lt"/>
+                <a:ea typeface="+mn-ea"/>
+                <a:cs typeface="+mn-cs"/>
+              </a:defRPr>
+            </a:lvl3pPr>
+            <a:lvl4pPr marL="1371600" algn="l" defTabSz="914400" rtl="0" eaLnBrk="1" latinLnBrk="1" hangingPunct="1">
+              <a:defRPr sz="1800" kern="1200">
+                <a:solidFill>
+                  <a:schemeClr val="tx1"/>
+                </a:solidFill>
+                <a:latin typeface="+mn-lt"/>
+                <a:ea typeface="+mn-ea"/>
+                <a:cs typeface="+mn-cs"/>
+              </a:defRPr>
+            </a:lvl4pPr>
+            <a:lvl5pPr marL="1828800" algn="l" defTabSz="914400" rtl="0" eaLnBrk="1" latinLnBrk="1" hangingPunct="1">
+              <a:defRPr sz="1800" kern="1200">
+                <a:solidFill>
+                  <a:schemeClr val="tx1"/>
+                </a:solidFill>
+                <a:latin typeface="+mn-lt"/>
+                <a:ea typeface="+mn-ea"/>
+                <a:cs typeface="+mn-cs"/>
+              </a:defRPr>
+            </a:lvl5pPr>
+            <a:lvl6pPr marL="2286000" algn="l" defTabSz="914400" rtl="0" eaLnBrk="1" latinLnBrk="1" hangingPunct="1">
+              <a:defRPr sz="1800" kern="1200">
+                <a:solidFill>
+                  <a:schemeClr val="tx1"/>
+                </a:solidFill>
+                <a:latin typeface="+mn-lt"/>
+                <a:ea typeface="+mn-ea"/>
+                <a:cs typeface="+mn-cs"/>
+              </a:defRPr>
+            </a:lvl6pPr>
+            <a:lvl7pPr marL="2743200" algn="l" defTabSz="914400" rtl="0" eaLnBrk="1" latinLnBrk="1" hangingPunct="1">
+              <a:defRPr sz="1800" kern="1200">
+                <a:solidFill>
+                  <a:schemeClr val="tx1"/>
+                </a:solidFill>
+                <a:latin typeface="+mn-lt"/>
+                <a:ea typeface="+mn-ea"/>
+                <a:cs typeface="+mn-cs"/>
+              </a:defRPr>
+            </a:lvl7pPr>
+            <a:lvl8pPr marL="3200400" algn="l" defTabSz="914400" rtl="0" eaLnBrk="1" latinLnBrk="1" hangingPunct="1">
+              <a:defRPr sz="1800" kern="1200">
+                <a:solidFill>
+                  <a:schemeClr val="tx1"/>
+                </a:solidFill>
+                <a:latin typeface="+mn-lt"/>
+                <a:ea typeface="+mn-ea"/>
+                <a:cs typeface="+mn-cs"/>
+              </a:defRPr>
+            </a:lvl8pPr>
+            <a:lvl9pPr marL="3657600" algn="l" defTabSz="914400" rtl="0" eaLnBrk="1" latinLnBrk="1" hangingPunct="1">
+              <a:defRPr sz="1800" kern="1200">
+                <a:solidFill>
+                  <a:schemeClr val="tx1"/>
+                </a:solidFill>
+                <a:latin typeface="+mn-lt"/>
+                <a:ea typeface="+mn-ea"/>
+                <a:cs typeface="+mn-cs"/>
+              </a:defRPr>
+            </a:lvl9pPr>
+          </a:lstStyle>
+          <a:p>
+            <a:r>
+              <a:rPr lang="ko-KR" altLang="en-US" dirty="0" smtClean="0"/>
+              <a:t>포인트</a:t>
+            </a:r>
+            <a:r>
+              <a:rPr lang="ko-KR" altLang="en-US" dirty="0" smtClean="0"/>
+              <a:t> 페이지</a:t>
+            </a:r>
+            <a:endParaRPr lang="en-US" altLang="ko-KR" dirty="0"/>
+          </a:p>
+        </p:txBody>
+      </p:sp>
     </p:spTree>
     <p:extLst>
       <p:ext uri="{BB962C8B-B14F-4D97-AF65-F5344CB8AC3E}">
@@ -3703,6 +4394,133 @@
           </a:prstGeom>
         </p:spPr>
       </p:pic>
+      <p:sp>
+        <p:nvSpPr>
+          <p:cNvPr id="4" name="직사각형 3"/>
+          <p:cNvSpPr/>
+          <p:nvPr/>
+        </p:nvSpPr>
+        <p:spPr>
+          <a:xfrm>
+            <a:off x="726831" y="3302950"/>
+            <a:ext cx="6096000" cy="369332"/>
+          </a:xfrm>
+          <a:prstGeom prst="rect">
+            <a:avLst/>
+          </a:prstGeom>
+        </p:spPr>
+        <p:txBody>
+          <a:bodyPr>
+            <a:spAutoFit/>
+          </a:bodyPr>
+          <a:lstStyle>
+            <a:defPPr>
+              <a:defRPr lang="ko-KR"/>
+            </a:defPPr>
+            <a:lvl1pPr marL="0" algn="l" defTabSz="914400" rtl="0" eaLnBrk="1" latinLnBrk="1" hangingPunct="1">
+              <a:defRPr sz="1800" kern="1200">
+                <a:solidFill>
+                  <a:schemeClr val="tx1"/>
+                </a:solidFill>
+                <a:latin typeface="+mn-lt"/>
+                <a:ea typeface="+mn-ea"/>
+                <a:cs typeface="+mn-cs"/>
+              </a:defRPr>
+            </a:lvl1pPr>
+            <a:lvl2pPr marL="457200" algn="l" defTabSz="914400" rtl="0" eaLnBrk="1" latinLnBrk="1" hangingPunct="1">
+              <a:defRPr sz="1800" kern="1200">
+                <a:solidFill>
+                  <a:schemeClr val="tx1"/>
+                </a:solidFill>
+                <a:latin typeface="+mn-lt"/>
+                <a:ea typeface="+mn-ea"/>
+                <a:cs typeface="+mn-cs"/>
+              </a:defRPr>
+            </a:lvl2pPr>
+            <a:lvl3pPr marL="914400" algn="l" defTabSz="914400" rtl="0" eaLnBrk="1" latinLnBrk="1" hangingPunct="1">
+              <a:defRPr sz="1800" kern="1200">
+                <a:solidFill>
+                  <a:schemeClr val="tx1"/>
+                </a:solidFill>
+                <a:latin typeface="+mn-lt"/>
+                <a:ea typeface="+mn-ea"/>
+                <a:cs typeface="+mn-cs"/>
+              </a:defRPr>
+            </a:lvl3pPr>
+            <a:lvl4pPr marL="1371600" algn="l" defTabSz="914400" rtl="0" eaLnBrk="1" latinLnBrk="1" hangingPunct="1">
+              <a:defRPr sz="1800" kern="1200">
+                <a:solidFill>
+                  <a:schemeClr val="tx1"/>
+                </a:solidFill>
+                <a:latin typeface="+mn-lt"/>
+                <a:ea typeface="+mn-ea"/>
+                <a:cs typeface="+mn-cs"/>
+              </a:defRPr>
+            </a:lvl4pPr>
+            <a:lvl5pPr marL="1828800" algn="l" defTabSz="914400" rtl="0" eaLnBrk="1" latinLnBrk="1" hangingPunct="1">
+              <a:defRPr sz="1800" kern="1200">
+                <a:solidFill>
+                  <a:schemeClr val="tx1"/>
+                </a:solidFill>
+                <a:latin typeface="+mn-lt"/>
+                <a:ea typeface="+mn-ea"/>
+                <a:cs typeface="+mn-cs"/>
+              </a:defRPr>
+            </a:lvl5pPr>
+            <a:lvl6pPr marL="2286000" algn="l" defTabSz="914400" rtl="0" eaLnBrk="1" latinLnBrk="1" hangingPunct="1">
+              <a:defRPr sz="1800" kern="1200">
+                <a:solidFill>
+                  <a:schemeClr val="tx1"/>
+                </a:solidFill>
+                <a:latin typeface="+mn-lt"/>
+                <a:ea typeface="+mn-ea"/>
+                <a:cs typeface="+mn-cs"/>
+              </a:defRPr>
+            </a:lvl6pPr>
+            <a:lvl7pPr marL="2743200" algn="l" defTabSz="914400" rtl="0" eaLnBrk="1" latinLnBrk="1" hangingPunct="1">
+              <a:defRPr sz="1800" kern="1200">
+                <a:solidFill>
+                  <a:schemeClr val="tx1"/>
+                </a:solidFill>
+                <a:latin typeface="+mn-lt"/>
+                <a:ea typeface="+mn-ea"/>
+                <a:cs typeface="+mn-cs"/>
+              </a:defRPr>
+            </a:lvl7pPr>
+            <a:lvl8pPr marL="3200400" algn="l" defTabSz="914400" rtl="0" eaLnBrk="1" latinLnBrk="1" hangingPunct="1">
+              <a:defRPr sz="1800" kern="1200">
+                <a:solidFill>
+                  <a:schemeClr val="tx1"/>
+                </a:solidFill>
+                <a:latin typeface="+mn-lt"/>
+                <a:ea typeface="+mn-ea"/>
+                <a:cs typeface="+mn-cs"/>
+              </a:defRPr>
+            </a:lvl8pPr>
+            <a:lvl9pPr marL="3657600" algn="l" defTabSz="914400" rtl="0" eaLnBrk="1" latinLnBrk="1" hangingPunct="1">
+              <a:defRPr sz="1800" kern="1200">
+                <a:solidFill>
+                  <a:schemeClr val="tx1"/>
+                </a:solidFill>
+                <a:latin typeface="+mn-lt"/>
+                <a:ea typeface="+mn-ea"/>
+                <a:cs typeface="+mn-cs"/>
+              </a:defRPr>
+            </a:lvl9pPr>
+          </a:lstStyle>
+          <a:p>
+            <a:r>
+              <a:rPr lang="ko-KR" altLang="en-US" dirty="0" smtClean="0"/>
+              <a:t>멤버십 </a:t>
+            </a:r>
+            <a:r>
+              <a:rPr lang="ko-KR" altLang="en-US" dirty="0" smtClean="0"/>
+              <a:t>페이지</a:t>
+            </a:r>
+            <a:endParaRPr lang="en-US" altLang="ko-KR" dirty="0"/>
+          </a:p>
+        </p:txBody>
+      </p:sp>
     </p:spTree>
     <p:extLst>
       <p:ext uri="{BB962C8B-B14F-4D97-AF65-F5344CB8AC3E}">
@@ -3769,6 +4587,133 @@
           </a:prstGeom>
         </p:spPr>
       </p:pic>
+      <p:sp>
+        <p:nvSpPr>
+          <p:cNvPr id="3" name="직사각형 2"/>
+          <p:cNvSpPr/>
+          <p:nvPr/>
+        </p:nvSpPr>
+        <p:spPr>
+          <a:xfrm>
+            <a:off x="726831" y="3302950"/>
+            <a:ext cx="6096000" cy="369332"/>
+          </a:xfrm>
+          <a:prstGeom prst="rect">
+            <a:avLst/>
+          </a:prstGeom>
+        </p:spPr>
+        <p:txBody>
+          <a:bodyPr>
+            <a:spAutoFit/>
+          </a:bodyPr>
+          <a:lstStyle>
+            <a:defPPr>
+              <a:defRPr lang="ko-KR"/>
+            </a:defPPr>
+            <a:lvl1pPr marL="0" algn="l" defTabSz="914400" rtl="0" eaLnBrk="1" latinLnBrk="1" hangingPunct="1">
+              <a:defRPr sz="1800" kern="1200">
+                <a:solidFill>
+                  <a:schemeClr val="tx1"/>
+                </a:solidFill>
+                <a:latin typeface="+mn-lt"/>
+                <a:ea typeface="+mn-ea"/>
+                <a:cs typeface="+mn-cs"/>
+              </a:defRPr>
+            </a:lvl1pPr>
+            <a:lvl2pPr marL="457200" algn="l" defTabSz="914400" rtl="0" eaLnBrk="1" latinLnBrk="1" hangingPunct="1">
+              <a:defRPr sz="1800" kern="1200">
+                <a:solidFill>
+                  <a:schemeClr val="tx1"/>
+                </a:solidFill>
+                <a:latin typeface="+mn-lt"/>
+                <a:ea typeface="+mn-ea"/>
+                <a:cs typeface="+mn-cs"/>
+              </a:defRPr>
+            </a:lvl2pPr>
+            <a:lvl3pPr marL="914400" algn="l" defTabSz="914400" rtl="0" eaLnBrk="1" latinLnBrk="1" hangingPunct="1">
+              <a:defRPr sz="1800" kern="1200">
+                <a:solidFill>
+                  <a:schemeClr val="tx1"/>
+                </a:solidFill>
+                <a:latin typeface="+mn-lt"/>
+                <a:ea typeface="+mn-ea"/>
+                <a:cs typeface="+mn-cs"/>
+              </a:defRPr>
+            </a:lvl3pPr>
+            <a:lvl4pPr marL="1371600" algn="l" defTabSz="914400" rtl="0" eaLnBrk="1" latinLnBrk="1" hangingPunct="1">
+              <a:defRPr sz="1800" kern="1200">
+                <a:solidFill>
+                  <a:schemeClr val="tx1"/>
+                </a:solidFill>
+                <a:latin typeface="+mn-lt"/>
+                <a:ea typeface="+mn-ea"/>
+                <a:cs typeface="+mn-cs"/>
+              </a:defRPr>
+            </a:lvl4pPr>
+            <a:lvl5pPr marL="1828800" algn="l" defTabSz="914400" rtl="0" eaLnBrk="1" latinLnBrk="1" hangingPunct="1">
+              <a:defRPr sz="1800" kern="1200">
+                <a:solidFill>
+                  <a:schemeClr val="tx1"/>
+                </a:solidFill>
+                <a:latin typeface="+mn-lt"/>
+                <a:ea typeface="+mn-ea"/>
+                <a:cs typeface="+mn-cs"/>
+              </a:defRPr>
+            </a:lvl5pPr>
+            <a:lvl6pPr marL="2286000" algn="l" defTabSz="914400" rtl="0" eaLnBrk="1" latinLnBrk="1" hangingPunct="1">
+              <a:defRPr sz="1800" kern="1200">
+                <a:solidFill>
+                  <a:schemeClr val="tx1"/>
+                </a:solidFill>
+                <a:latin typeface="+mn-lt"/>
+                <a:ea typeface="+mn-ea"/>
+                <a:cs typeface="+mn-cs"/>
+              </a:defRPr>
+            </a:lvl6pPr>
+            <a:lvl7pPr marL="2743200" algn="l" defTabSz="914400" rtl="0" eaLnBrk="1" latinLnBrk="1" hangingPunct="1">
+              <a:defRPr sz="1800" kern="1200">
+                <a:solidFill>
+                  <a:schemeClr val="tx1"/>
+                </a:solidFill>
+                <a:latin typeface="+mn-lt"/>
+                <a:ea typeface="+mn-ea"/>
+                <a:cs typeface="+mn-cs"/>
+              </a:defRPr>
+            </a:lvl7pPr>
+            <a:lvl8pPr marL="3200400" algn="l" defTabSz="914400" rtl="0" eaLnBrk="1" latinLnBrk="1" hangingPunct="1">
+              <a:defRPr sz="1800" kern="1200">
+                <a:solidFill>
+                  <a:schemeClr val="tx1"/>
+                </a:solidFill>
+                <a:latin typeface="+mn-lt"/>
+                <a:ea typeface="+mn-ea"/>
+                <a:cs typeface="+mn-cs"/>
+              </a:defRPr>
+            </a:lvl8pPr>
+            <a:lvl9pPr marL="3657600" algn="l" defTabSz="914400" rtl="0" eaLnBrk="1" latinLnBrk="1" hangingPunct="1">
+              <a:defRPr sz="1800" kern="1200">
+                <a:solidFill>
+                  <a:schemeClr val="tx1"/>
+                </a:solidFill>
+                <a:latin typeface="+mn-lt"/>
+                <a:ea typeface="+mn-ea"/>
+                <a:cs typeface="+mn-cs"/>
+              </a:defRPr>
+            </a:lvl9pPr>
+          </a:lstStyle>
+          <a:p>
+            <a:r>
+              <a:rPr lang="ko-KR" altLang="en-US" dirty="0" err="1" smtClean="0"/>
+              <a:t>틴틴클럽</a:t>
+            </a:r>
+            <a:r>
+              <a:rPr lang="ko-KR" altLang="en-US" dirty="0" smtClean="0"/>
+              <a:t> 페이지</a:t>
+            </a:r>
+            <a:endParaRPr lang="en-US" altLang="ko-KR" dirty="0"/>
+          </a:p>
+        </p:txBody>
+      </p:sp>
     </p:spTree>
     <p:extLst>
       <p:ext uri="{BB962C8B-B14F-4D97-AF65-F5344CB8AC3E}">
@@ -3835,6 +4780,133 @@
           </a:prstGeom>
         </p:spPr>
       </p:pic>
+      <p:sp>
+        <p:nvSpPr>
+          <p:cNvPr id="4" name="직사각형 3"/>
+          <p:cNvSpPr/>
+          <p:nvPr/>
+        </p:nvSpPr>
+        <p:spPr>
+          <a:xfrm>
+            <a:off x="726831" y="3302950"/>
+            <a:ext cx="6096000" cy="369332"/>
+          </a:xfrm>
+          <a:prstGeom prst="rect">
+            <a:avLst/>
+          </a:prstGeom>
+        </p:spPr>
+        <p:txBody>
+          <a:bodyPr>
+            <a:spAutoFit/>
+          </a:bodyPr>
+          <a:lstStyle>
+            <a:defPPr>
+              <a:defRPr lang="ko-KR"/>
+            </a:defPPr>
+            <a:lvl1pPr marL="0" algn="l" defTabSz="914400" rtl="0" eaLnBrk="1" latinLnBrk="1" hangingPunct="1">
+              <a:defRPr sz="1800" kern="1200">
+                <a:solidFill>
+                  <a:schemeClr val="tx1"/>
+                </a:solidFill>
+                <a:latin typeface="+mn-lt"/>
+                <a:ea typeface="+mn-ea"/>
+                <a:cs typeface="+mn-cs"/>
+              </a:defRPr>
+            </a:lvl1pPr>
+            <a:lvl2pPr marL="457200" algn="l" defTabSz="914400" rtl="0" eaLnBrk="1" latinLnBrk="1" hangingPunct="1">
+              <a:defRPr sz="1800" kern="1200">
+                <a:solidFill>
+                  <a:schemeClr val="tx1"/>
+                </a:solidFill>
+                <a:latin typeface="+mn-lt"/>
+                <a:ea typeface="+mn-ea"/>
+                <a:cs typeface="+mn-cs"/>
+              </a:defRPr>
+            </a:lvl2pPr>
+            <a:lvl3pPr marL="914400" algn="l" defTabSz="914400" rtl="0" eaLnBrk="1" latinLnBrk="1" hangingPunct="1">
+              <a:defRPr sz="1800" kern="1200">
+                <a:solidFill>
+                  <a:schemeClr val="tx1"/>
+                </a:solidFill>
+                <a:latin typeface="+mn-lt"/>
+                <a:ea typeface="+mn-ea"/>
+                <a:cs typeface="+mn-cs"/>
+              </a:defRPr>
+            </a:lvl3pPr>
+            <a:lvl4pPr marL="1371600" algn="l" defTabSz="914400" rtl="0" eaLnBrk="1" latinLnBrk="1" hangingPunct="1">
+              <a:defRPr sz="1800" kern="1200">
+                <a:solidFill>
+                  <a:schemeClr val="tx1"/>
+                </a:solidFill>
+                <a:latin typeface="+mn-lt"/>
+                <a:ea typeface="+mn-ea"/>
+                <a:cs typeface="+mn-cs"/>
+              </a:defRPr>
+            </a:lvl4pPr>
+            <a:lvl5pPr marL="1828800" algn="l" defTabSz="914400" rtl="0" eaLnBrk="1" latinLnBrk="1" hangingPunct="1">
+              <a:defRPr sz="1800" kern="1200">
+                <a:solidFill>
+                  <a:schemeClr val="tx1"/>
+                </a:solidFill>
+                <a:latin typeface="+mn-lt"/>
+                <a:ea typeface="+mn-ea"/>
+                <a:cs typeface="+mn-cs"/>
+              </a:defRPr>
+            </a:lvl5pPr>
+            <a:lvl6pPr marL="2286000" algn="l" defTabSz="914400" rtl="0" eaLnBrk="1" latinLnBrk="1" hangingPunct="1">
+              <a:defRPr sz="1800" kern="1200">
+                <a:solidFill>
+                  <a:schemeClr val="tx1"/>
+                </a:solidFill>
+                <a:latin typeface="+mn-lt"/>
+                <a:ea typeface="+mn-ea"/>
+                <a:cs typeface="+mn-cs"/>
+              </a:defRPr>
+            </a:lvl6pPr>
+            <a:lvl7pPr marL="2743200" algn="l" defTabSz="914400" rtl="0" eaLnBrk="1" latinLnBrk="1" hangingPunct="1">
+              <a:defRPr sz="1800" kern="1200">
+                <a:solidFill>
+                  <a:schemeClr val="tx1"/>
+                </a:solidFill>
+                <a:latin typeface="+mn-lt"/>
+                <a:ea typeface="+mn-ea"/>
+                <a:cs typeface="+mn-cs"/>
+              </a:defRPr>
+            </a:lvl7pPr>
+            <a:lvl8pPr marL="3200400" algn="l" defTabSz="914400" rtl="0" eaLnBrk="1" latinLnBrk="1" hangingPunct="1">
+              <a:defRPr sz="1800" kern="1200">
+                <a:solidFill>
+                  <a:schemeClr val="tx1"/>
+                </a:solidFill>
+                <a:latin typeface="+mn-lt"/>
+                <a:ea typeface="+mn-ea"/>
+                <a:cs typeface="+mn-cs"/>
+              </a:defRPr>
+            </a:lvl8pPr>
+            <a:lvl9pPr marL="3657600" algn="l" defTabSz="914400" rtl="0" eaLnBrk="1" latinLnBrk="1" hangingPunct="1">
+              <a:defRPr sz="1800" kern="1200">
+                <a:solidFill>
+                  <a:schemeClr val="tx1"/>
+                </a:solidFill>
+                <a:latin typeface="+mn-lt"/>
+                <a:ea typeface="+mn-ea"/>
+                <a:cs typeface="+mn-cs"/>
+              </a:defRPr>
+            </a:lvl9pPr>
+          </a:lstStyle>
+          <a:p>
+            <a:r>
+              <a:rPr lang="ko-KR" altLang="en-US" dirty="0" err="1" smtClean="0"/>
+              <a:t>브라보클럽</a:t>
+            </a:r>
+            <a:r>
+              <a:rPr lang="ko-KR" altLang="en-US" dirty="0" smtClean="0"/>
+              <a:t> 페이지</a:t>
+            </a:r>
+            <a:endParaRPr lang="en-US" altLang="ko-KR" dirty="0"/>
+          </a:p>
+        </p:txBody>
+      </p:sp>
     </p:spTree>
     <p:extLst>
       <p:ext uri="{BB962C8B-B14F-4D97-AF65-F5344CB8AC3E}">
@@ -3924,13 +4996,136 @@
         <p:spPr>
           <a:xfrm>
             <a:off x="491490" y="377190"/>
-            <a:ext cx="11209020" cy="6103620"/>
+            <a:ext cx="8218756" cy="4475339"/>
           </a:xfrm>
           <a:prstGeom prst="rect">
             <a:avLst/>
           </a:prstGeom>
         </p:spPr>
       </p:pic>
+      <p:sp>
+        <p:nvSpPr>
+          <p:cNvPr id="4" name="직사각형 3"/>
+          <p:cNvSpPr/>
+          <p:nvPr/>
+        </p:nvSpPr>
+        <p:spPr>
+          <a:xfrm>
+            <a:off x="2872154" y="5501026"/>
+            <a:ext cx="6096000" cy="369332"/>
+          </a:xfrm>
+          <a:prstGeom prst="rect">
+            <a:avLst/>
+          </a:prstGeom>
+        </p:spPr>
+        <p:txBody>
+          <a:bodyPr>
+            <a:spAutoFit/>
+          </a:bodyPr>
+          <a:lstStyle>
+            <a:defPPr>
+              <a:defRPr lang="ko-KR"/>
+            </a:defPPr>
+            <a:lvl1pPr marL="0" algn="l" defTabSz="914400" rtl="0" eaLnBrk="1" latinLnBrk="1" hangingPunct="1">
+              <a:defRPr sz="1800" kern="1200">
+                <a:solidFill>
+                  <a:schemeClr val="tx1"/>
+                </a:solidFill>
+                <a:latin typeface="+mn-lt"/>
+                <a:ea typeface="+mn-ea"/>
+                <a:cs typeface="+mn-cs"/>
+              </a:defRPr>
+            </a:lvl1pPr>
+            <a:lvl2pPr marL="457200" algn="l" defTabSz="914400" rtl="0" eaLnBrk="1" latinLnBrk="1" hangingPunct="1">
+              <a:defRPr sz="1800" kern="1200">
+                <a:solidFill>
+                  <a:schemeClr val="tx1"/>
+                </a:solidFill>
+                <a:latin typeface="+mn-lt"/>
+                <a:ea typeface="+mn-ea"/>
+                <a:cs typeface="+mn-cs"/>
+              </a:defRPr>
+            </a:lvl2pPr>
+            <a:lvl3pPr marL="914400" algn="l" defTabSz="914400" rtl="0" eaLnBrk="1" latinLnBrk="1" hangingPunct="1">
+              <a:defRPr sz="1800" kern="1200">
+                <a:solidFill>
+                  <a:schemeClr val="tx1"/>
+                </a:solidFill>
+                <a:latin typeface="+mn-lt"/>
+                <a:ea typeface="+mn-ea"/>
+                <a:cs typeface="+mn-cs"/>
+              </a:defRPr>
+            </a:lvl3pPr>
+            <a:lvl4pPr marL="1371600" algn="l" defTabSz="914400" rtl="0" eaLnBrk="1" latinLnBrk="1" hangingPunct="1">
+              <a:defRPr sz="1800" kern="1200">
+                <a:solidFill>
+                  <a:schemeClr val="tx1"/>
+                </a:solidFill>
+                <a:latin typeface="+mn-lt"/>
+                <a:ea typeface="+mn-ea"/>
+                <a:cs typeface="+mn-cs"/>
+              </a:defRPr>
+            </a:lvl4pPr>
+            <a:lvl5pPr marL="1828800" algn="l" defTabSz="914400" rtl="0" eaLnBrk="1" latinLnBrk="1" hangingPunct="1">
+              <a:defRPr sz="1800" kern="1200">
+                <a:solidFill>
+                  <a:schemeClr val="tx1"/>
+                </a:solidFill>
+                <a:latin typeface="+mn-lt"/>
+                <a:ea typeface="+mn-ea"/>
+                <a:cs typeface="+mn-cs"/>
+              </a:defRPr>
+            </a:lvl5pPr>
+            <a:lvl6pPr marL="2286000" algn="l" defTabSz="914400" rtl="0" eaLnBrk="1" latinLnBrk="1" hangingPunct="1">
+              <a:defRPr sz="1800" kern="1200">
+                <a:solidFill>
+                  <a:schemeClr val="tx1"/>
+                </a:solidFill>
+                <a:latin typeface="+mn-lt"/>
+                <a:ea typeface="+mn-ea"/>
+                <a:cs typeface="+mn-cs"/>
+              </a:defRPr>
+            </a:lvl6pPr>
+            <a:lvl7pPr marL="2743200" algn="l" defTabSz="914400" rtl="0" eaLnBrk="1" latinLnBrk="1" hangingPunct="1">
+              <a:defRPr sz="1800" kern="1200">
+                <a:solidFill>
+                  <a:schemeClr val="tx1"/>
+                </a:solidFill>
+                <a:latin typeface="+mn-lt"/>
+                <a:ea typeface="+mn-ea"/>
+                <a:cs typeface="+mn-cs"/>
+              </a:defRPr>
+            </a:lvl7pPr>
+            <a:lvl8pPr marL="3200400" algn="l" defTabSz="914400" rtl="0" eaLnBrk="1" latinLnBrk="1" hangingPunct="1">
+              <a:defRPr sz="1800" kern="1200">
+                <a:solidFill>
+                  <a:schemeClr val="tx1"/>
+                </a:solidFill>
+                <a:latin typeface="+mn-lt"/>
+                <a:ea typeface="+mn-ea"/>
+                <a:cs typeface="+mn-cs"/>
+              </a:defRPr>
+            </a:lvl8pPr>
+            <a:lvl9pPr marL="3657600" algn="l" defTabSz="914400" rtl="0" eaLnBrk="1" latinLnBrk="1" hangingPunct="1">
+              <a:defRPr sz="1800" kern="1200">
+                <a:solidFill>
+                  <a:schemeClr val="tx1"/>
+                </a:solidFill>
+                <a:latin typeface="+mn-lt"/>
+                <a:ea typeface="+mn-ea"/>
+                <a:cs typeface="+mn-cs"/>
+              </a:defRPr>
+            </a:lvl9pPr>
+          </a:lstStyle>
+          <a:p>
+            <a:r>
+              <a:rPr lang="ko-KR" altLang="en-US" dirty="0" smtClean="0"/>
+              <a:t>영상재생 모습</a:t>
+            </a:r>
+            <a:endParaRPr lang="en-US" altLang="ko-KR" dirty="0"/>
+          </a:p>
+        </p:txBody>
+      </p:sp>
     </p:spTree>
     <p:extLst>
       <p:ext uri="{BB962C8B-B14F-4D97-AF65-F5344CB8AC3E}">
@@ -3997,6 +5192,137 @@
           </a:prstGeom>
         </p:spPr>
       </p:pic>
+      <p:sp>
+        <p:nvSpPr>
+          <p:cNvPr id="4" name="직사각형 3"/>
+          <p:cNvSpPr/>
+          <p:nvPr/>
+        </p:nvSpPr>
+        <p:spPr>
+          <a:xfrm>
+            <a:off x="2491154" y="6134073"/>
+            <a:ext cx="6096000" cy="369332"/>
+          </a:xfrm>
+          <a:prstGeom prst="rect">
+            <a:avLst/>
+          </a:prstGeom>
+        </p:spPr>
+        <p:txBody>
+          <a:bodyPr>
+            <a:spAutoFit/>
+          </a:bodyPr>
+          <a:lstStyle>
+            <a:defPPr>
+              <a:defRPr lang="ko-KR"/>
+            </a:defPPr>
+            <a:lvl1pPr marL="0" algn="l" defTabSz="914400" rtl="0" eaLnBrk="1" latinLnBrk="1" hangingPunct="1">
+              <a:defRPr sz="1800" kern="1200">
+                <a:solidFill>
+                  <a:schemeClr val="tx1"/>
+                </a:solidFill>
+                <a:latin typeface="+mn-lt"/>
+                <a:ea typeface="+mn-ea"/>
+                <a:cs typeface="+mn-cs"/>
+              </a:defRPr>
+            </a:lvl1pPr>
+            <a:lvl2pPr marL="457200" algn="l" defTabSz="914400" rtl="0" eaLnBrk="1" latinLnBrk="1" hangingPunct="1">
+              <a:defRPr sz="1800" kern="1200">
+                <a:solidFill>
+                  <a:schemeClr val="tx1"/>
+                </a:solidFill>
+                <a:latin typeface="+mn-lt"/>
+                <a:ea typeface="+mn-ea"/>
+                <a:cs typeface="+mn-cs"/>
+              </a:defRPr>
+            </a:lvl2pPr>
+            <a:lvl3pPr marL="914400" algn="l" defTabSz="914400" rtl="0" eaLnBrk="1" latinLnBrk="1" hangingPunct="1">
+              <a:defRPr sz="1800" kern="1200">
+                <a:solidFill>
+                  <a:schemeClr val="tx1"/>
+                </a:solidFill>
+                <a:latin typeface="+mn-lt"/>
+                <a:ea typeface="+mn-ea"/>
+                <a:cs typeface="+mn-cs"/>
+              </a:defRPr>
+            </a:lvl3pPr>
+            <a:lvl4pPr marL="1371600" algn="l" defTabSz="914400" rtl="0" eaLnBrk="1" latinLnBrk="1" hangingPunct="1">
+              <a:defRPr sz="1800" kern="1200">
+                <a:solidFill>
+                  <a:schemeClr val="tx1"/>
+                </a:solidFill>
+                <a:latin typeface="+mn-lt"/>
+                <a:ea typeface="+mn-ea"/>
+                <a:cs typeface="+mn-cs"/>
+              </a:defRPr>
+            </a:lvl4pPr>
+            <a:lvl5pPr marL="1828800" algn="l" defTabSz="914400" rtl="0" eaLnBrk="1" latinLnBrk="1" hangingPunct="1">
+              <a:defRPr sz="1800" kern="1200">
+                <a:solidFill>
+                  <a:schemeClr val="tx1"/>
+                </a:solidFill>
+                <a:latin typeface="+mn-lt"/>
+                <a:ea typeface="+mn-ea"/>
+                <a:cs typeface="+mn-cs"/>
+              </a:defRPr>
+            </a:lvl5pPr>
+            <a:lvl6pPr marL="2286000" algn="l" defTabSz="914400" rtl="0" eaLnBrk="1" latinLnBrk="1" hangingPunct="1">
+              <a:defRPr sz="1800" kern="1200">
+                <a:solidFill>
+                  <a:schemeClr val="tx1"/>
+                </a:solidFill>
+                <a:latin typeface="+mn-lt"/>
+                <a:ea typeface="+mn-ea"/>
+                <a:cs typeface="+mn-cs"/>
+              </a:defRPr>
+            </a:lvl6pPr>
+            <a:lvl7pPr marL="2743200" algn="l" defTabSz="914400" rtl="0" eaLnBrk="1" latinLnBrk="1" hangingPunct="1">
+              <a:defRPr sz="1800" kern="1200">
+                <a:solidFill>
+                  <a:schemeClr val="tx1"/>
+                </a:solidFill>
+                <a:latin typeface="+mn-lt"/>
+                <a:ea typeface="+mn-ea"/>
+                <a:cs typeface="+mn-cs"/>
+              </a:defRPr>
+            </a:lvl7pPr>
+            <a:lvl8pPr marL="3200400" algn="l" defTabSz="914400" rtl="0" eaLnBrk="1" latinLnBrk="1" hangingPunct="1">
+              <a:defRPr sz="1800" kern="1200">
+                <a:solidFill>
+                  <a:schemeClr val="tx1"/>
+                </a:solidFill>
+                <a:latin typeface="+mn-lt"/>
+                <a:ea typeface="+mn-ea"/>
+                <a:cs typeface="+mn-cs"/>
+              </a:defRPr>
+            </a:lvl8pPr>
+            <a:lvl9pPr marL="3657600" algn="l" defTabSz="914400" rtl="0" eaLnBrk="1" latinLnBrk="1" hangingPunct="1">
+              <a:defRPr sz="1800" kern="1200">
+                <a:solidFill>
+                  <a:schemeClr val="tx1"/>
+                </a:solidFill>
+                <a:latin typeface="+mn-lt"/>
+                <a:ea typeface="+mn-ea"/>
+                <a:cs typeface="+mn-cs"/>
+              </a:defRPr>
+            </a:lvl9pPr>
+          </a:lstStyle>
+          <a:p>
+            <a:r>
+              <a:rPr lang="ko-KR" altLang="en-US" dirty="0" smtClean="0"/>
+              <a:t>예매하기 상세정보 </a:t>
+            </a:r>
+            <a:r>
+              <a:rPr lang="ko-KR" altLang="en-US" dirty="0" err="1" smtClean="0"/>
+              <a:t>클릭시</a:t>
+            </a:r>
+            <a:r>
+              <a:rPr lang="ko-KR" altLang="en-US" dirty="0" smtClean="0"/>
+              <a:t> 해당 정보 페이지 이동</a:t>
+            </a:r>
+            <a:endParaRPr lang="en-US" altLang="ko-KR" dirty="0"/>
+          </a:p>
+        </p:txBody>
+      </p:sp>
     </p:spTree>
     <p:extLst>
       <p:ext uri="{BB962C8B-B14F-4D97-AF65-F5344CB8AC3E}">
@@ -4055,7 +5381,7 @@
         </p:blipFill>
         <p:spPr>
           <a:xfrm>
-            <a:off x="2072640" y="590550"/>
+            <a:off x="460717" y="596411"/>
             <a:ext cx="8046720" cy="5676900"/>
           </a:xfrm>
           <a:prstGeom prst="rect">
@@ -4063,6 +5389,137 @@
           </a:prstGeom>
         </p:spPr>
       </p:pic>
+      <p:sp>
+        <p:nvSpPr>
+          <p:cNvPr id="4" name="직사각형 3"/>
+          <p:cNvSpPr/>
+          <p:nvPr/>
+        </p:nvSpPr>
+        <p:spPr>
+          <a:xfrm>
+            <a:off x="9220200" y="3250195"/>
+            <a:ext cx="6096000" cy="369332"/>
+          </a:xfrm>
+          <a:prstGeom prst="rect">
+            <a:avLst/>
+          </a:prstGeom>
+        </p:spPr>
+        <p:txBody>
+          <a:bodyPr>
+            <a:spAutoFit/>
+          </a:bodyPr>
+          <a:lstStyle>
+            <a:defPPr>
+              <a:defRPr lang="ko-KR"/>
+            </a:defPPr>
+            <a:lvl1pPr marL="0" algn="l" defTabSz="914400" rtl="0" eaLnBrk="1" latinLnBrk="1" hangingPunct="1">
+              <a:defRPr sz="1800" kern="1200">
+                <a:solidFill>
+                  <a:schemeClr val="tx1"/>
+                </a:solidFill>
+                <a:latin typeface="+mn-lt"/>
+                <a:ea typeface="+mn-ea"/>
+                <a:cs typeface="+mn-cs"/>
+              </a:defRPr>
+            </a:lvl1pPr>
+            <a:lvl2pPr marL="457200" algn="l" defTabSz="914400" rtl="0" eaLnBrk="1" latinLnBrk="1" hangingPunct="1">
+              <a:defRPr sz="1800" kern="1200">
+                <a:solidFill>
+                  <a:schemeClr val="tx1"/>
+                </a:solidFill>
+                <a:latin typeface="+mn-lt"/>
+                <a:ea typeface="+mn-ea"/>
+                <a:cs typeface="+mn-cs"/>
+              </a:defRPr>
+            </a:lvl2pPr>
+            <a:lvl3pPr marL="914400" algn="l" defTabSz="914400" rtl="0" eaLnBrk="1" latinLnBrk="1" hangingPunct="1">
+              <a:defRPr sz="1800" kern="1200">
+                <a:solidFill>
+                  <a:schemeClr val="tx1"/>
+                </a:solidFill>
+                <a:latin typeface="+mn-lt"/>
+                <a:ea typeface="+mn-ea"/>
+                <a:cs typeface="+mn-cs"/>
+              </a:defRPr>
+            </a:lvl3pPr>
+            <a:lvl4pPr marL="1371600" algn="l" defTabSz="914400" rtl="0" eaLnBrk="1" latinLnBrk="1" hangingPunct="1">
+              <a:defRPr sz="1800" kern="1200">
+                <a:solidFill>
+                  <a:schemeClr val="tx1"/>
+                </a:solidFill>
+                <a:latin typeface="+mn-lt"/>
+                <a:ea typeface="+mn-ea"/>
+                <a:cs typeface="+mn-cs"/>
+              </a:defRPr>
+            </a:lvl4pPr>
+            <a:lvl5pPr marL="1828800" algn="l" defTabSz="914400" rtl="0" eaLnBrk="1" latinLnBrk="1" hangingPunct="1">
+              <a:defRPr sz="1800" kern="1200">
+                <a:solidFill>
+                  <a:schemeClr val="tx1"/>
+                </a:solidFill>
+                <a:latin typeface="+mn-lt"/>
+                <a:ea typeface="+mn-ea"/>
+                <a:cs typeface="+mn-cs"/>
+              </a:defRPr>
+            </a:lvl5pPr>
+            <a:lvl6pPr marL="2286000" algn="l" defTabSz="914400" rtl="0" eaLnBrk="1" latinLnBrk="1" hangingPunct="1">
+              <a:defRPr sz="1800" kern="1200">
+                <a:solidFill>
+                  <a:schemeClr val="tx1"/>
+                </a:solidFill>
+                <a:latin typeface="+mn-lt"/>
+                <a:ea typeface="+mn-ea"/>
+                <a:cs typeface="+mn-cs"/>
+              </a:defRPr>
+            </a:lvl6pPr>
+            <a:lvl7pPr marL="2743200" algn="l" defTabSz="914400" rtl="0" eaLnBrk="1" latinLnBrk="1" hangingPunct="1">
+              <a:defRPr sz="1800" kern="1200">
+                <a:solidFill>
+                  <a:schemeClr val="tx1"/>
+                </a:solidFill>
+                <a:latin typeface="+mn-lt"/>
+                <a:ea typeface="+mn-ea"/>
+                <a:cs typeface="+mn-cs"/>
+              </a:defRPr>
+            </a:lvl7pPr>
+            <a:lvl8pPr marL="3200400" algn="l" defTabSz="914400" rtl="0" eaLnBrk="1" latinLnBrk="1" hangingPunct="1">
+              <a:defRPr sz="1800" kern="1200">
+                <a:solidFill>
+                  <a:schemeClr val="tx1"/>
+                </a:solidFill>
+                <a:latin typeface="+mn-lt"/>
+                <a:ea typeface="+mn-ea"/>
+                <a:cs typeface="+mn-cs"/>
+              </a:defRPr>
+            </a:lvl8pPr>
+            <a:lvl9pPr marL="3657600" algn="l" defTabSz="914400" rtl="0" eaLnBrk="1" latinLnBrk="1" hangingPunct="1">
+              <a:defRPr sz="1800" kern="1200">
+                <a:solidFill>
+                  <a:schemeClr val="tx1"/>
+                </a:solidFill>
+                <a:latin typeface="+mn-lt"/>
+                <a:ea typeface="+mn-ea"/>
+                <a:cs typeface="+mn-cs"/>
+              </a:defRPr>
+            </a:lvl9pPr>
+          </a:lstStyle>
+          <a:p>
+            <a:r>
+              <a:rPr lang="ko-KR" altLang="en-US" dirty="0" err="1" smtClean="0"/>
+              <a:t>예매</a:t>
+            </a:r>
+            <a:r>
+              <a:rPr lang="ko-KR" altLang="en-US" dirty="0" err="1" smtClean="0"/>
+              <a:t>페이지</a:t>
+            </a:r>
+            <a:r>
+              <a:rPr lang="ko-KR" altLang="en-US" dirty="0" smtClean="0"/>
+              <a:t> 모습</a:t>
+            </a:r>
+            <a:endParaRPr lang="en-US" altLang="ko-KR" dirty="0"/>
+          </a:p>
+        </p:txBody>
+      </p:sp>
     </p:spTree>
     <p:extLst>
       <p:ext uri="{BB962C8B-B14F-4D97-AF65-F5344CB8AC3E}">
@@ -4129,6 +5586,145 @@
           </a:prstGeom>
         </p:spPr>
       </p:pic>
+      <p:sp>
+        <p:nvSpPr>
+          <p:cNvPr id="3" name="직사각형 2"/>
+          <p:cNvSpPr/>
+          <p:nvPr/>
+        </p:nvSpPr>
+        <p:spPr>
+          <a:xfrm>
+            <a:off x="3139440" y="5225535"/>
+            <a:ext cx="6096000" cy="369332"/>
+          </a:xfrm>
+          <a:prstGeom prst="rect">
+            <a:avLst/>
+          </a:prstGeom>
+        </p:spPr>
+        <p:txBody>
+          <a:bodyPr>
+            <a:spAutoFit/>
+          </a:bodyPr>
+          <a:lstStyle>
+            <a:defPPr>
+              <a:defRPr lang="ko-KR"/>
+            </a:defPPr>
+            <a:lvl1pPr marL="0" algn="l" defTabSz="914400" rtl="0" eaLnBrk="1" latinLnBrk="1" hangingPunct="1">
+              <a:defRPr sz="1800" kern="1200">
+                <a:solidFill>
+                  <a:schemeClr val="tx1"/>
+                </a:solidFill>
+                <a:latin typeface="+mn-lt"/>
+                <a:ea typeface="+mn-ea"/>
+                <a:cs typeface="+mn-cs"/>
+              </a:defRPr>
+            </a:lvl1pPr>
+            <a:lvl2pPr marL="457200" algn="l" defTabSz="914400" rtl="0" eaLnBrk="1" latinLnBrk="1" hangingPunct="1">
+              <a:defRPr sz="1800" kern="1200">
+                <a:solidFill>
+                  <a:schemeClr val="tx1"/>
+                </a:solidFill>
+                <a:latin typeface="+mn-lt"/>
+                <a:ea typeface="+mn-ea"/>
+                <a:cs typeface="+mn-cs"/>
+              </a:defRPr>
+            </a:lvl2pPr>
+            <a:lvl3pPr marL="914400" algn="l" defTabSz="914400" rtl="0" eaLnBrk="1" latinLnBrk="1" hangingPunct="1">
+              <a:defRPr sz="1800" kern="1200">
+                <a:solidFill>
+                  <a:schemeClr val="tx1"/>
+                </a:solidFill>
+                <a:latin typeface="+mn-lt"/>
+                <a:ea typeface="+mn-ea"/>
+                <a:cs typeface="+mn-cs"/>
+              </a:defRPr>
+            </a:lvl3pPr>
+            <a:lvl4pPr marL="1371600" algn="l" defTabSz="914400" rtl="0" eaLnBrk="1" latinLnBrk="1" hangingPunct="1">
+              <a:defRPr sz="1800" kern="1200">
+                <a:solidFill>
+                  <a:schemeClr val="tx1"/>
+                </a:solidFill>
+                <a:latin typeface="+mn-lt"/>
+                <a:ea typeface="+mn-ea"/>
+                <a:cs typeface="+mn-cs"/>
+              </a:defRPr>
+            </a:lvl4pPr>
+            <a:lvl5pPr marL="1828800" algn="l" defTabSz="914400" rtl="0" eaLnBrk="1" latinLnBrk="1" hangingPunct="1">
+              <a:defRPr sz="1800" kern="1200">
+                <a:solidFill>
+                  <a:schemeClr val="tx1"/>
+                </a:solidFill>
+                <a:latin typeface="+mn-lt"/>
+                <a:ea typeface="+mn-ea"/>
+                <a:cs typeface="+mn-cs"/>
+              </a:defRPr>
+            </a:lvl5pPr>
+            <a:lvl6pPr marL="2286000" algn="l" defTabSz="914400" rtl="0" eaLnBrk="1" latinLnBrk="1" hangingPunct="1">
+              <a:defRPr sz="1800" kern="1200">
+                <a:solidFill>
+                  <a:schemeClr val="tx1"/>
+                </a:solidFill>
+                <a:latin typeface="+mn-lt"/>
+                <a:ea typeface="+mn-ea"/>
+                <a:cs typeface="+mn-cs"/>
+              </a:defRPr>
+            </a:lvl6pPr>
+            <a:lvl7pPr marL="2743200" algn="l" defTabSz="914400" rtl="0" eaLnBrk="1" latinLnBrk="1" hangingPunct="1">
+              <a:defRPr sz="1800" kern="1200">
+                <a:solidFill>
+                  <a:schemeClr val="tx1"/>
+                </a:solidFill>
+                <a:latin typeface="+mn-lt"/>
+                <a:ea typeface="+mn-ea"/>
+                <a:cs typeface="+mn-cs"/>
+              </a:defRPr>
+            </a:lvl7pPr>
+            <a:lvl8pPr marL="3200400" algn="l" defTabSz="914400" rtl="0" eaLnBrk="1" latinLnBrk="1" hangingPunct="1">
+              <a:defRPr sz="1800" kern="1200">
+                <a:solidFill>
+                  <a:schemeClr val="tx1"/>
+                </a:solidFill>
+                <a:latin typeface="+mn-lt"/>
+                <a:ea typeface="+mn-ea"/>
+                <a:cs typeface="+mn-cs"/>
+              </a:defRPr>
+            </a:lvl8pPr>
+            <a:lvl9pPr marL="3657600" algn="l" defTabSz="914400" rtl="0" eaLnBrk="1" latinLnBrk="1" hangingPunct="1">
+              <a:defRPr sz="1800" kern="1200">
+                <a:solidFill>
+                  <a:schemeClr val="tx1"/>
+                </a:solidFill>
+                <a:latin typeface="+mn-lt"/>
+                <a:ea typeface="+mn-ea"/>
+                <a:cs typeface="+mn-cs"/>
+              </a:defRPr>
+            </a:lvl9pPr>
+          </a:lstStyle>
+          <a:p>
+            <a:r>
+              <a:rPr lang="ko-KR" altLang="en-US" dirty="0" smtClean="0"/>
+              <a:t>각 </a:t>
+            </a:r>
+            <a:r>
+              <a:rPr lang="ko-KR" altLang="en-US" dirty="0" err="1" smtClean="0"/>
+              <a:t>스페셜관</a:t>
+            </a:r>
+            <a:r>
+              <a:rPr lang="ko-KR" altLang="en-US" dirty="0" smtClean="0"/>
+              <a:t> </a:t>
+            </a:r>
+            <a:r>
+              <a:rPr lang="ko-KR" altLang="en-US" dirty="0" err="1" smtClean="0"/>
+              <a:t>클릭시</a:t>
+            </a:r>
+            <a:r>
+              <a:rPr lang="ko-KR" altLang="en-US" dirty="0" smtClean="0"/>
+              <a:t> 해당 정보 페이지 이동</a:t>
+            </a:r>
+            <a:endParaRPr lang="en-US" altLang="ko-KR" dirty="0"/>
+          </a:p>
+        </p:txBody>
+      </p:sp>
     </p:spTree>
     <p:extLst>
       <p:ext uri="{BB962C8B-B14F-4D97-AF65-F5344CB8AC3E}">
@@ -4195,6 +5791,133 @@
           </a:prstGeom>
         </p:spPr>
       </p:pic>
+      <p:sp>
+        <p:nvSpPr>
+          <p:cNvPr id="4" name="직사각형 3"/>
+          <p:cNvSpPr/>
+          <p:nvPr/>
+        </p:nvSpPr>
+        <p:spPr>
+          <a:xfrm>
+            <a:off x="246185" y="3156412"/>
+            <a:ext cx="6096000" cy="369332"/>
+          </a:xfrm>
+          <a:prstGeom prst="rect">
+            <a:avLst/>
+          </a:prstGeom>
+        </p:spPr>
+        <p:txBody>
+          <a:bodyPr>
+            <a:spAutoFit/>
+          </a:bodyPr>
+          <a:lstStyle>
+            <a:defPPr>
+              <a:defRPr lang="ko-KR"/>
+            </a:defPPr>
+            <a:lvl1pPr marL="0" algn="l" defTabSz="914400" rtl="0" eaLnBrk="1" latinLnBrk="1" hangingPunct="1">
+              <a:defRPr sz="1800" kern="1200">
+                <a:solidFill>
+                  <a:schemeClr val="tx1"/>
+                </a:solidFill>
+                <a:latin typeface="+mn-lt"/>
+                <a:ea typeface="+mn-ea"/>
+                <a:cs typeface="+mn-cs"/>
+              </a:defRPr>
+            </a:lvl1pPr>
+            <a:lvl2pPr marL="457200" algn="l" defTabSz="914400" rtl="0" eaLnBrk="1" latinLnBrk="1" hangingPunct="1">
+              <a:defRPr sz="1800" kern="1200">
+                <a:solidFill>
+                  <a:schemeClr val="tx1"/>
+                </a:solidFill>
+                <a:latin typeface="+mn-lt"/>
+                <a:ea typeface="+mn-ea"/>
+                <a:cs typeface="+mn-cs"/>
+              </a:defRPr>
+            </a:lvl2pPr>
+            <a:lvl3pPr marL="914400" algn="l" defTabSz="914400" rtl="0" eaLnBrk="1" latinLnBrk="1" hangingPunct="1">
+              <a:defRPr sz="1800" kern="1200">
+                <a:solidFill>
+                  <a:schemeClr val="tx1"/>
+                </a:solidFill>
+                <a:latin typeface="+mn-lt"/>
+                <a:ea typeface="+mn-ea"/>
+                <a:cs typeface="+mn-cs"/>
+              </a:defRPr>
+            </a:lvl3pPr>
+            <a:lvl4pPr marL="1371600" algn="l" defTabSz="914400" rtl="0" eaLnBrk="1" latinLnBrk="1" hangingPunct="1">
+              <a:defRPr sz="1800" kern="1200">
+                <a:solidFill>
+                  <a:schemeClr val="tx1"/>
+                </a:solidFill>
+                <a:latin typeface="+mn-lt"/>
+                <a:ea typeface="+mn-ea"/>
+                <a:cs typeface="+mn-cs"/>
+              </a:defRPr>
+            </a:lvl4pPr>
+            <a:lvl5pPr marL="1828800" algn="l" defTabSz="914400" rtl="0" eaLnBrk="1" latinLnBrk="1" hangingPunct="1">
+              <a:defRPr sz="1800" kern="1200">
+                <a:solidFill>
+                  <a:schemeClr val="tx1"/>
+                </a:solidFill>
+                <a:latin typeface="+mn-lt"/>
+                <a:ea typeface="+mn-ea"/>
+                <a:cs typeface="+mn-cs"/>
+              </a:defRPr>
+            </a:lvl5pPr>
+            <a:lvl6pPr marL="2286000" algn="l" defTabSz="914400" rtl="0" eaLnBrk="1" latinLnBrk="1" hangingPunct="1">
+              <a:defRPr sz="1800" kern="1200">
+                <a:solidFill>
+                  <a:schemeClr val="tx1"/>
+                </a:solidFill>
+                <a:latin typeface="+mn-lt"/>
+                <a:ea typeface="+mn-ea"/>
+                <a:cs typeface="+mn-cs"/>
+              </a:defRPr>
+            </a:lvl6pPr>
+            <a:lvl7pPr marL="2743200" algn="l" defTabSz="914400" rtl="0" eaLnBrk="1" latinLnBrk="1" hangingPunct="1">
+              <a:defRPr sz="1800" kern="1200">
+                <a:solidFill>
+                  <a:schemeClr val="tx1"/>
+                </a:solidFill>
+                <a:latin typeface="+mn-lt"/>
+                <a:ea typeface="+mn-ea"/>
+                <a:cs typeface="+mn-cs"/>
+              </a:defRPr>
+            </a:lvl7pPr>
+            <a:lvl8pPr marL="3200400" algn="l" defTabSz="914400" rtl="0" eaLnBrk="1" latinLnBrk="1" hangingPunct="1">
+              <a:defRPr sz="1800" kern="1200">
+                <a:solidFill>
+                  <a:schemeClr val="tx1"/>
+                </a:solidFill>
+                <a:latin typeface="+mn-lt"/>
+                <a:ea typeface="+mn-ea"/>
+                <a:cs typeface="+mn-cs"/>
+              </a:defRPr>
+            </a:lvl8pPr>
+            <a:lvl9pPr marL="3657600" algn="l" defTabSz="914400" rtl="0" eaLnBrk="1" latinLnBrk="1" hangingPunct="1">
+              <a:defRPr sz="1800" kern="1200">
+                <a:solidFill>
+                  <a:schemeClr val="tx1"/>
+                </a:solidFill>
+                <a:latin typeface="+mn-lt"/>
+                <a:ea typeface="+mn-ea"/>
+                <a:cs typeface="+mn-cs"/>
+              </a:defRPr>
+            </a:lvl9pPr>
+          </a:lstStyle>
+          <a:p>
+            <a:r>
+              <a:rPr lang="ko-KR" altLang="en-US" smtClean="0"/>
+              <a:t>스페셜관</a:t>
+            </a:r>
+            <a:r>
+              <a:rPr lang="ko-KR" altLang="en-US" dirty="0" smtClean="0"/>
+              <a:t> 페이지</a:t>
+            </a:r>
+            <a:endParaRPr lang="en-US" altLang="ko-KR" dirty="0"/>
+          </a:p>
+        </p:txBody>
+      </p:sp>
     </p:spTree>
     <p:extLst>
       <p:ext uri="{BB962C8B-B14F-4D97-AF65-F5344CB8AC3E}">
@@ -4261,6 +5984,137 @@
           </a:prstGeom>
         </p:spPr>
       </p:pic>
+      <p:sp>
+        <p:nvSpPr>
+          <p:cNvPr id="4" name="직사각형 3"/>
+          <p:cNvSpPr/>
+          <p:nvPr/>
+        </p:nvSpPr>
+        <p:spPr>
+          <a:xfrm>
+            <a:off x="2989385" y="5893750"/>
+            <a:ext cx="6096000" cy="369332"/>
+          </a:xfrm>
+          <a:prstGeom prst="rect">
+            <a:avLst/>
+          </a:prstGeom>
+        </p:spPr>
+        <p:txBody>
+          <a:bodyPr>
+            <a:spAutoFit/>
+          </a:bodyPr>
+          <a:lstStyle>
+            <a:defPPr>
+              <a:defRPr lang="ko-KR"/>
+            </a:defPPr>
+            <a:lvl1pPr marL="0" algn="l" defTabSz="914400" rtl="0" eaLnBrk="1" latinLnBrk="1" hangingPunct="1">
+              <a:defRPr sz="1800" kern="1200">
+                <a:solidFill>
+                  <a:schemeClr val="tx1"/>
+                </a:solidFill>
+                <a:latin typeface="+mn-lt"/>
+                <a:ea typeface="+mn-ea"/>
+                <a:cs typeface="+mn-cs"/>
+              </a:defRPr>
+            </a:lvl1pPr>
+            <a:lvl2pPr marL="457200" algn="l" defTabSz="914400" rtl="0" eaLnBrk="1" latinLnBrk="1" hangingPunct="1">
+              <a:defRPr sz="1800" kern="1200">
+                <a:solidFill>
+                  <a:schemeClr val="tx1"/>
+                </a:solidFill>
+                <a:latin typeface="+mn-lt"/>
+                <a:ea typeface="+mn-ea"/>
+                <a:cs typeface="+mn-cs"/>
+              </a:defRPr>
+            </a:lvl2pPr>
+            <a:lvl3pPr marL="914400" algn="l" defTabSz="914400" rtl="0" eaLnBrk="1" latinLnBrk="1" hangingPunct="1">
+              <a:defRPr sz="1800" kern="1200">
+                <a:solidFill>
+                  <a:schemeClr val="tx1"/>
+                </a:solidFill>
+                <a:latin typeface="+mn-lt"/>
+                <a:ea typeface="+mn-ea"/>
+                <a:cs typeface="+mn-cs"/>
+              </a:defRPr>
+            </a:lvl3pPr>
+            <a:lvl4pPr marL="1371600" algn="l" defTabSz="914400" rtl="0" eaLnBrk="1" latinLnBrk="1" hangingPunct="1">
+              <a:defRPr sz="1800" kern="1200">
+                <a:solidFill>
+                  <a:schemeClr val="tx1"/>
+                </a:solidFill>
+                <a:latin typeface="+mn-lt"/>
+                <a:ea typeface="+mn-ea"/>
+                <a:cs typeface="+mn-cs"/>
+              </a:defRPr>
+            </a:lvl4pPr>
+            <a:lvl5pPr marL="1828800" algn="l" defTabSz="914400" rtl="0" eaLnBrk="1" latinLnBrk="1" hangingPunct="1">
+              <a:defRPr sz="1800" kern="1200">
+                <a:solidFill>
+                  <a:schemeClr val="tx1"/>
+                </a:solidFill>
+                <a:latin typeface="+mn-lt"/>
+                <a:ea typeface="+mn-ea"/>
+                <a:cs typeface="+mn-cs"/>
+              </a:defRPr>
+            </a:lvl5pPr>
+            <a:lvl6pPr marL="2286000" algn="l" defTabSz="914400" rtl="0" eaLnBrk="1" latinLnBrk="1" hangingPunct="1">
+              <a:defRPr sz="1800" kern="1200">
+                <a:solidFill>
+                  <a:schemeClr val="tx1"/>
+                </a:solidFill>
+                <a:latin typeface="+mn-lt"/>
+                <a:ea typeface="+mn-ea"/>
+                <a:cs typeface="+mn-cs"/>
+              </a:defRPr>
+            </a:lvl6pPr>
+            <a:lvl7pPr marL="2743200" algn="l" defTabSz="914400" rtl="0" eaLnBrk="1" latinLnBrk="1" hangingPunct="1">
+              <a:defRPr sz="1800" kern="1200">
+                <a:solidFill>
+                  <a:schemeClr val="tx1"/>
+                </a:solidFill>
+                <a:latin typeface="+mn-lt"/>
+                <a:ea typeface="+mn-ea"/>
+                <a:cs typeface="+mn-cs"/>
+              </a:defRPr>
+            </a:lvl7pPr>
+            <a:lvl8pPr marL="3200400" algn="l" defTabSz="914400" rtl="0" eaLnBrk="1" latinLnBrk="1" hangingPunct="1">
+              <a:defRPr sz="1800" kern="1200">
+                <a:solidFill>
+                  <a:schemeClr val="tx1"/>
+                </a:solidFill>
+                <a:latin typeface="+mn-lt"/>
+                <a:ea typeface="+mn-ea"/>
+                <a:cs typeface="+mn-cs"/>
+              </a:defRPr>
+            </a:lvl8pPr>
+            <a:lvl9pPr marL="3657600" algn="l" defTabSz="914400" rtl="0" eaLnBrk="1" latinLnBrk="1" hangingPunct="1">
+              <a:defRPr sz="1800" kern="1200">
+                <a:solidFill>
+                  <a:schemeClr val="tx1"/>
+                </a:solidFill>
+                <a:latin typeface="+mn-lt"/>
+                <a:ea typeface="+mn-ea"/>
+                <a:cs typeface="+mn-cs"/>
+              </a:defRPr>
+            </a:lvl9pPr>
+          </a:lstStyle>
+          <a:p>
+            <a:r>
+              <a:rPr lang="ko-KR" altLang="en-US" dirty="0" smtClean="0"/>
+              <a:t>이벤트 </a:t>
+            </a:r>
+            <a:r>
+              <a:rPr lang="ko-KR" altLang="en-US" dirty="0" err="1" smtClean="0"/>
+              <a:t>클릭시</a:t>
+            </a:r>
+            <a:r>
+              <a:rPr lang="ko-KR" altLang="en-US" dirty="0" smtClean="0"/>
+              <a:t> 해당 정보 페이지 이동</a:t>
+            </a:r>
+            <a:endParaRPr lang="en-US" altLang="ko-KR" dirty="0"/>
+          </a:p>
+        </p:txBody>
+      </p:sp>
     </p:spTree>
     <p:extLst>
       <p:ext uri="{BB962C8B-B14F-4D97-AF65-F5344CB8AC3E}">
@@ -4327,6 +6181,129 @@
           </a:prstGeom>
         </p:spPr>
       </p:pic>
+      <p:sp>
+        <p:nvSpPr>
+          <p:cNvPr id="4" name="직사각형 3"/>
+          <p:cNvSpPr/>
+          <p:nvPr/>
+        </p:nvSpPr>
+        <p:spPr>
+          <a:xfrm>
+            <a:off x="2491154" y="6134073"/>
+            <a:ext cx="6096000" cy="369332"/>
+          </a:xfrm>
+          <a:prstGeom prst="rect">
+            <a:avLst/>
+          </a:prstGeom>
+        </p:spPr>
+        <p:txBody>
+          <a:bodyPr>
+            <a:spAutoFit/>
+          </a:bodyPr>
+          <a:lstStyle>
+            <a:defPPr>
+              <a:defRPr lang="ko-KR"/>
+            </a:defPPr>
+            <a:lvl1pPr marL="0" algn="l" defTabSz="914400" rtl="0" eaLnBrk="1" latinLnBrk="1" hangingPunct="1">
+              <a:defRPr sz="1800" kern="1200">
+                <a:solidFill>
+                  <a:schemeClr val="tx1"/>
+                </a:solidFill>
+                <a:latin typeface="+mn-lt"/>
+                <a:ea typeface="+mn-ea"/>
+                <a:cs typeface="+mn-cs"/>
+              </a:defRPr>
+            </a:lvl1pPr>
+            <a:lvl2pPr marL="457200" algn="l" defTabSz="914400" rtl="0" eaLnBrk="1" latinLnBrk="1" hangingPunct="1">
+              <a:defRPr sz="1800" kern="1200">
+                <a:solidFill>
+                  <a:schemeClr val="tx1"/>
+                </a:solidFill>
+                <a:latin typeface="+mn-lt"/>
+                <a:ea typeface="+mn-ea"/>
+                <a:cs typeface="+mn-cs"/>
+              </a:defRPr>
+            </a:lvl2pPr>
+            <a:lvl3pPr marL="914400" algn="l" defTabSz="914400" rtl="0" eaLnBrk="1" latinLnBrk="1" hangingPunct="1">
+              <a:defRPr sz="1800" kern="1200">
+                <a:solidFill>
+                  <a:schemeClr val="tx1"/>
+                </a:solidFill>
+                <a:latin typeface="+mn-lt"/>
+                <a:ea typeface="+mn-ea"/>
+                <a:cs typeface="+mn-cs"/>
+              </a:defRPr>
+            </a:lvl3pPr>
+            <a:lvl4pPr marL="1371600" algn="l" defTabSz="914400" rtl="0" eaLnBrk="1" latinLnBrk="1" hangingPunct="1">
+              <a:defRPr sz="1800" kern="1200">
+                <a:solidFill>
+                  <a:schemeClr val="tx1"/>
+                </a:solidFill>
+                <a:latin typeface="+mn-lt"/>
+                <a:ea typeface="+mn-ea"/>
+                <a:cs typeface="+mn-cs"/>
+              </a:defRPr>
+            </a:lvl4pPr>
+            <a:lvl5pPr marL="1828800" algn="l" defTabSz="914400" rtl="0" eaLnBrk="1" latinLnBrk="1" hangingPunct="1">
+              <a:defRPr sz="1800" kern="1200">
+                <a:solidFill>
+                  <a:schemeClr val="tx1"/>
+                </a:solidFill>
+                <a:latin typeface="+mn-lt"/>
+                <a:ea typeface="+mn-ea"/>
+                <a:cs typeface="+mn-cs"/>
+              </a:defRPr>
+            </a:lvl5pPr>
+            <a:lvl6pPr marL="2286000" algn="l" defTabSz="914400" rtl="0" eaLnBrk="1" latinLnBrk="1" hangingPunct="1">
+              <a:defRPr sz="1800" kern="1200">
+                <a:solidFill>
+                  <a:schemeClr val="tx1"/>
+                </a:solidFill>
+                <a:latin typeface="+mn-lt"/>
+                <a:ea typeface="+mn-ea"/>
+                <a:cs typeface="+mn-cs"/>
+              </a:defRPr>
+            </a:lvl6pPr>
+            <a:lvl7pPr marL="2743200" algn="l" defTabSz="914400" rtl="0" eaLnBrk="1" latinLnBrk="1" hangingPunct="1">
+              <a:defRPr sz="1800" kern="1200">
+                <a:solidFill>
+                  <a:schemeClr val="tx1"/>
+                </a:solidFill>
+                <a:latin typeface="+mn-lt"/>
+                <a:ea typeface="+mn-ea"/>
+                <a:cs typeface="+mn-cs"/>
+              </a:defRPr>
+            </a:lvl7pPr>
+            <a:lvl8pPr marL="3200400" algn="l" defTabSz="914400" rtl="0" eaLnBrk="1" latinLnBrk="1" hangingPunct="1">
+              <a:defRPr sz="1800" kern="1200">
+                <a:solidFill>
+                  <a:schemeClr val="tx1"/>
+                </a:solidFill>
+                <a:latin typeface="+mn-lt"/>
+                <a:ea typeface="+mn-ea"/>
+                <a:cs typeface="+mn-cs"/>
+              </a:defRPr>
+            </a:lvl8pPr>
+            <a:lvl9pPr marL="3657600" algn="l" defTabSz="914400" rtl="0" eaLnBrk="1" latinLnBrk="1" hangingPunct="1">
+              <a:defRPr sz="1800" kern="1200">
+                <a:solidFill>
+                  <a:schemeClr val="tx1"/>
+                </a:solidFill>
+                <a:latin typeface="+mn-lt"/>
+                <a:ea typeface="+mn-ea"/>
+                <a:cs typeface="+mn-cs"/>
+              </a:defRPr>
+            </a:lvl9pPr>
+          </a:lstStyle>
+          <a:p>
+            <a:r>
+              <a:rPr lang="ko-KR" altLang="en-US" dirty="0" smtClean="0"/>
+              <a:t>이벤트 정보 페이지</a:t>
+            </a:r>
+            <a:endParaRPr lang="en-US" altLang="ko-KR" dirty="0"/>
+          </a:p>
+        </p:txBody>
+      </p:sp>
     </p:spTree>
     <p:extLst>
       <p:ext uri="{BB962C8B-B14F-4D97-AF65-F5344CB8AC3E}">
@@ -4393,6 +6370,137 @@
           </a:prstGeom>
         </p:spPr>
       </p:pic>
+      <p:sp>
+        <p:nvSpPr>
+          <p:cNvPr id="4" name="직사각형 3"/>
+          <p:cNvSpPr/>
+          <p:nvPr/>
+        </p:nvSpPr>
+        <p:spPr>
+          <a:xfrm>
+            <a:off x="3610708" y="5354489"/>
+            <a:ext cx="6096000" cy="369332"/>
+          </a:xfrm>
+          <a:prstGeom prst="rect">
+            <a:avLst/>
+          </a:prstGeom>
+        </p:spPr>
+        <p:txBody>
+          <a:bodyPr>
+            <a:spAutoFit/>
+          </a:bodyPr>
+          <a:lstStyle>
+            <a:defPPr>
+              <a:defRPr lang="ko-KR"/>
+            </a:defPPr>
+            <a:lvl1pPr marL="0" algn="l" defTabSz="914400" rtl="0" eaLnBrk="1" latinLnBrk="1" hangingPunct="1">
+              <a:defRPr sz="1800" kern="1200">
+                <a:solidFill>
+                  <a:schemeClr val="tx1"/>
+                </a:solidFill>
+                <a:latin typeface="+mn-lt"/>
+                <a:ea typeface="+mn-ea"/>
+                <a:cs typeface="+mn-cs"/>
+              </a:defRPr>
+            </a:lvl1pPr>
+            <a:lvl2pPr marL="457200" algn="l" defTabSz="914400" rtl="0" eaLnBrk="1" latinLnBrk="1" hangingPunct="1">
+              <a:defRPr sz="1800" kern="1200">
+                <a:solidFill>
+                  <a:schemeClr val="tx1"/>
+                </a:solidFill>
+                <a:latin typeface="+mn-lt"/>
+                <a:ea typeface="+mn-ea"/>
+                <a:cs typeface="+mn-cs"/>
+              </a:defRPr>
+            </a:lvl2pPr>
+            <a:lvl3pPr marL="914400" algn="l" defTabSz="914400" rtl="0" eaLnBrk="1" latinLnBrk="1" hangingPunct="1">
+              <a:defRPr sz="1800" kern="1200">
+                <a:solidFill>
+                  <a:schemeClr val="tx1"/>
+                </a:solidFill>
+                <a:latin typeface="+mn-lt"/>
+                <a:ea typeface="+mn-ea"/>
+                <a:cs typeface="+mn-cs"/>
+              </a:defRPr>
+            </a:lvl3pPr>
+            <a:lvl4pPr marL="1371600" algn="l" defTabSz="914400" rtl="0" eaLnBrk="1" latinLnBrk="1" hangingPunct="1">
+              <a:defRPr sz="1800" kern="1200">
+                <a:solidFill>
+                  <a:schemeClr val="tx1"/>
+                </a:solidFill>
+                <a:latin typeface="+mn-lt"/>
+                <a:ea typeface="+mn-ea"/>
+                <a:cs typeface="+mn-cs"/>
+              </a:defRPr>
+            </a:lvl4pPr>
+            <a:lvl5pPr marL="1828800" algn="l" defTabSz="914400" rtl="0" eaLnBrk="1" latinLnBrk="1" hangingPunct="1">
+              <a:defRPr sz="1800" kern="1200">
+                <a:solidFill>
+                  <a:schemeClr val="tx1"/>
+                </a:solidFill>
+                <a:latin typeface="+mn-lt"/>
+                <a:ea typeface="+mn-ea"/>
+                <a:cs typeface="+mn-cs"/>
+              </a:defRPr>
+            </a:lvl5pPr>
+            <a:lvl6pPr marL="2286000" algn="l" defTabSz="914400" rtl="0" eaLnBrk="1" latinLnBrk="1" hangingPunct="1">
+              <a:defRPr sz="1800" kern="1200">
+                <a:solidFill>
+                  <a:schemeClr val="tx1"/>
+                </a:solidFill>
+                <a:latin typeface="+mn-lt"/>
+                <a:ea typeface="+mn-ea"/>
+                <a:cs typeface="+mn-cs"/>
+              </a:defRPr>
+            </a:lvl6pPr>
+            <a:lvl7pPr marL="2743200" algn="l" defTabSz="914400" rtl="0" eaLnBrk="1" latinLnBrk="1" hangingPunct="1">
+              <a:defRPr sz="1800" kern="1200">
+                <a:solidFill>
+                  <a:schemeClr val="tx1"/>
+                </a:solidFill>
+                <a:latin typeface="+mn-lt"/>
+                <a:ea typeface="+mn-ea"/>
+                <a:cs typeface="+mn-cs"/>
+              </a:defRPr>
+            </a:lvl7pPr>
+            <a:lvl8pPr marL="3200400" algn="l" defTabSz="914400" rtl="0" eaLnBrk="1" latinLnBrk="1" hangingPunct="1">
+              <a:defRPr sz="1800" kern="1200">
+                <a:solidFill>
+                  <a:schemeClr val="tx1"/>
+                </a:solidFill>
+                <a:latin typeface="+mn-lt"/>
+                <a:ea typeface="+mn-ea"/>
+                <a:cs typeface="+mn-cs"/>
+              </a:defRPr>
+            </a:lvl8pPr>
+            <a:lvl9pPr marL="3657600" algn="l" defTabSz="914400" rtl="0" eaLnBrk="1" latinLnBrk="1" hangingPunct="1">
+              <a:defRPr sz="1800" kern="1200">
+                <a:solidFill>
+                  <a:schemeClr val="tx1"/>
+                </a:solidFill>
+                <a:latin typeface="+mn-lt"/>
+                <a:ea typeface="+mn-ea"/>
+                <a:cs typeface="+mn-cs"/>
+              </a:defRPr>
+            </a:lvl9pPr>
+          </a:lstStyle>
+          <a:p>
+            <a:r>
+              <a:rPr lang="ko-KR" altLang="en-US" dirty="0" smtClean="0"/>
+              <a:t>이미지 </a:t>
+            </a:r>
+            <a:r>
+              <a:rPr lang="ko-KR" altLang="en-US" dirty="0" err="1" smtClean="0"/>
+              <a:t>클릭시</a:t>
+            </a:r>
+            <a:r>
+              <a:rPr lang="ko-KR" altLang="en-US" dirty="0" smtClean="0"/>
+              <a:t> 해당 정보 페이지 이동</a:t>
+            </a:r>
+            <a:endParaRPr lang="en-US" altLang="ko-KR" dirty="0"/>
+          </a:p>
+        </p:txBody>
+      </p:sp>
     </p:spTree>
     <p:extLst>
       <p:ext uri="{BB962C8B-B14F-4D97-AF65-F5344CB8AC3E}">
